--- a/presentation.pptx
+++ b/presentation.pptx
@@ -2,7 +2,7 @@
 <file path=ppt/presentation.xml><?xml version="1.0" encoding="utf-8"?>
 <p:presentation xmlns:a="http://schemas.openxmlformats.org/drawingml/2006/main" xmlns:r="http://schemas.openxmlformats.org/officeDocument/2006/relationships" xmlns:p="http://schemas.openxmlformats.org/presentationml/2006/main" saveSubsetFonts="1">
   <p:sldMasterIdLst>
-    <p:sldMasterId id="2147483690" r:id="rId1"/>
+    <p:sldMasterId id="2147483702" r:id="rId1"/>
   </p:sldMasterIdLst>
   <p:sldIdLst>
     <p:sldId id="256" r:id="rId2"/>
@@ -13,9 +13,9 @@
   <p:notesSz cx="6858000" cy="9144000"/>
   <p:defaultTextStyle>
     <a:defPPr>
-      <a:defRPr lang="en-SE"/>
+      <a:defRPr lang="en-US"/>
     </a:defPPr>
-    <a:lvl1pPr marL="0" algn="l" defTabSz="914400" rtl="0" eaLnBrk="1" latinLnBrk="0" hangingPunct="1">
+    <a:lvl1pPr marL="0" algn="l" defTabSz="457200" rtl="0" eaLnBrk="1" latinLnBrk="0" hangingPunct="1">
       <a:defRPr sz="1800" kern="1200">
         <a:solidFill>
           <a:schemeClr val="tx1"/>
@@ -25,7 +25,7 @@
         <a:cs typeface="+mn-cs"/>
       </a:defRPr>
     </a:lvl1pPr>
-    <a:lvl2pPr marL="457200" algn="l" defTabSz="914400" rtl="0" eaLnBrk="1" latinLnBrk="0" hangingPunct="1">
+    <a:lvl2pPr marL="457200" algn="l" defTabSz="457200" rtl="0" eaLnBrk="1" latinLnBrk="0" hangingPunct="1">
       <a:defRPr sz="1800" kern="1200">
         <a:solidFill>
           <a:schemeClr val="tx1"/>
@@ -35,7 +35,7 @@
         <a:cs typeface="+mn-cs"/>
       </a:defRPr>
     </a:lvl2pPr>
-    <a:lvl3pPr marL="914400" algn="l" defTabSz="914400" rtl="0" eaLnBrk="1" latinLnBrk="0" hangingPunct="1">
+    <a:lvl3pPr marL="914400" algn="l" defTabSz="457200" rtl="0" eaLnBrk="1" latinLnBrk="0" hangingPunct="1">
       <a:defRPr sz="1800" kern="1200">
         <a:solidFill>
           <a:schemeClr val="tx1"/>
@@ -45,7 +45,7 @@
         <a:cs typeface="+mn-cs"/>
       </a:defRPr>
     </a:lvl3pPr>
-    <a:lvl4pPr marL="1371600" algn="l" defTabSz="914400" rtl="0" eaLnBrk="1" latinLnBrk="0" hangingPunct="1">
+    <a:lvl4pPr marL="1371600" algn="l" defTabSz="457200" rtl="0" eaLnBrk="1" latinLnBrk="0" hangingPunct="1">
       <a:defRPr sz="1800" kern="1200">
         <a:solidFill>
           <a:schemeClr val="tx1"/>
@@ -55,7 +55,7 @@
         <a:cs typeface="+mn-cs"/>
       </a:defRPr>
     </a:lvl4pPr>
-    <a:lvl5pPr marL="1828800" algn="l" defTabSz="914400" rtl="0" eaLnBrk="1" latinLnBrk="0" hangingPunct="1">
+    <a:lvl5pPr marL="1828800" algn="l" defTabSz="457200" rtl="0" eaLnBrk="1" latinLnBrk="0" hangingPunct="1">
       <a:defRPr sz="1800" kern="1200">
         <a:solidFill>
           <a:schemeClr val="tx1"/>
@@ -65,7 +65,7 @@
         <a:cs typeface="+mn-cs"/>
       </a:defRPr>
     </a:lvl5pPr>
-    <a:lvl6pPr marL="2286000" algn="l" defTabSz="914400" rtl="0" eaLnBrk="1" latinLnBrk="0" hangingPunct="1">
+    <a:lvl6pPr marL="2286000" algn="l" defTabSz="457200" rtl="0" eaLnBrk="1" latinLnBrk="0" hangingPunct="1">
       <a:defRPr sz="1800" kern="1200">
         <a:solidFill>
           <a:schemeClr val="tx1"/>
@@ -75,7 +75,7 @@
         <a:cs typeface="+mn-cs"/>
       </a:defRPr>
     </a:lvl6pPr>
-    <a:lvl7pPr marL="2743200" algn="l" defTabSz="914400" rtl="0" eaLnBrk="1" latinLnBrk="0" hangingPunct="1">
+    <a:lvl7pPr marL="2743200" algn="l" defTabSz="457200" rtl="0" eaLnBrk="1" latinLnBrk="0" hangingPunct="1">
       <a:defRPr sz="1800" kern="1200">
         <a:solidFill>
           <a:schemeClr val="tx1"/>
@@ -85,7 +85,7 @@
         <a:cs typeface="+mn-cs"/>
       </a:defRPr>
     </a:lvl7pPr>
-    <a:lvl8pPr marL="3200400" algn="l" defTabSz="914400" rtl="0" eaLnBrk="1" latinLnBrk="0" hangingPunct="1">
+    <a:lvl8pPr marL="3200400" algn="l" defTabSz="457200" rtl="0" eaLnBrk="1" latinLnBrk="0" hangingPunct="1">
       <a:defRPr sz="1800" kern="1200">
         <a:solidFill>
           <a:schemeClr val="tx1"/>
@@ -95,7 +95,7 @@
         <a:cs typeface="+mn-cs"/>
       </a:defRPr>
     </a:lvl8pPr>
-    <a:lvl9pPr marL="3657600" algn="l" defTabSz="914400" rtl="0" eaLnBrk="1" latinLnBrk="0" hangingPunct="1">
+    <a:lvl9pPr marL="3657600" algn="l" defTabSz="457200" rtl="0" eaLnBrk="1" latinLnBrk="0" hangingPunct="1">
       <a:defRPr sz="1800" kern="1200">
         <a:solidFill>
           <a:schemeClr val="tx1"/>
@@ -106,12 +106,29 @@
       </a:defRPr>
     </a:lvl9pPr>
   </p:defaultTextStyle>
+  <p:extLst>
+    <p:ext uri="{EFAFB233-063F-42B5-8137-9DF3F51BA10A}">
+      <p15:sldGuideLst xmlns:p15="http://schemas.microsoft.com/office/powerpoint/2012/main"/>
+    </p:ext>
+  </p:extLst>
 </p:presentation>
+</file>
+
+<file path=ppt/revisionInfo.xml><?xml version="1.0" encoding="utf-8"?>
+<p1510:revInfo xmlns:a="http://schemas.openxmlformats.org/drawingml/2006/main" xmlns:r="http://schemas.openxmlformats.org/officeDocument/2006/relationships" xmlns:p1510="http://schemas.microsoft.com/office/powerpoint/2015/10/main"/>
 </file>
 
 <file path=ppt/slideLayouts/slideLayout1.xml><?xml version="1.0" encoding="utf-8"?>
 <p:sldLayout xmlns:a="http://schemas.openxmlformats.org/drawingml/2006/main" xmlns:r="http://schemas.openxmlformats.org/officeDocument/2006/relationships" xmlns:p="http://schemas.openxmlformats.org/presentationml/2006/main" type="title" preserve="1">
-  <p:cSld name="Title Slide">
+  <p:cSld name="Titelfolie">
+    <p:bg>
+      <p:bgPr>
+        <a:solidFill>
+          <a:schemeClr val="accent1"/>
+        </a:solidFill>
+        <a:effectLst/>
+      </p:bgPr>
+    </p:bg>
     <p:spTree>
       <p:nvGrpSpPr>
         <p:cNvPr id="1" name=""/>
@@ -128,51 +145,83 @@
       </p:grpSpPr>
       <p:sp>
         <p:nvSpPr>
-          <p:cNvPr id="2" name="Title 1">
-            <a:extLst>
-              <a:ext uri="{FF2B5EF4-FFF2-40B4-BE49-F238E27FC236}">
-                <a16:creationId xmlns:a16="http://schemas.microsoft.com/office/drawing/2014/main" id="{F5DBD5FC-33AC-46B8-8DEC-A1A598582CA3}"/>
-              </a:ext>
-            </a:extLst>
-          </p:cNvPr>
-          <p:cNvSpPr>
-            <a:spLocks noGrp="1"/>
-          </p:cNvSpPr>
-          <p:nvPr>
-            <p:ph type="ctrTitle"/>
-          </p:nvPr>
+          <p:cNvPr id="4" name="Rectangle 3"/>
+          <p:cNvSpPr/>
+          <p:nvPr/>
         </p:nvSpPr>
         <p:spPr>
           <a:xfrm>
-            <a:off x="1524000" y="1122363"/>
-            <a:ext cx="9144000" cy="2387600"/>
+            <a:off x="0" y="0"/>
+            <a:ext cx="12192000" cy="6858000"/>
+          </a:xfrm>
+          <a:prstGeom prst="rect">
+            <a:avLst/>
+          </a:prstGeom>
+          <a:ln>
+            <a:noFill/>
+          </a:ln>
+        </p:spPr>
+        <p:style>
+          <a:lnRef idx="2">
+            <a:schemeClr val="accent1">
+              <a:shade val="50000"/>
+            </a:schemeClr>
+          </a:lnRef>
+          <a:fillRef idx="1">
+            <a:schemeClr val="accent1"/>
+          </a:fillRef>
+          <a:effectRef idx="0">
+            <a:schemeClr val="accent1"/>
+          </a:effectRef>
+          <a:fontRef idx="minor">
+            <a:schemeClr val="lt1"/>
+          </a:fontRef>
+        </p:style>
+      </p:sp>
+      <p:sp>
+        <p:nvSpPr>
+          <p:cNvPr id="2" name="Title 1"/>
+          <p:cNvSpPr>
+            <a:spLocks noGrp="1"/>
+          </p:cNvSpPr>
+          <p:nvPr>
+            <p:ph type="ctrTitle"/>
+          </p:nvPr>
+        </p:nvSpPr>
+        <p:spPr>
+          <a:xfrm>
+            <a:off x="603504" y="770467"/>
+            <a:ext cx="10782300" cy="3352800"/>
           </a:xfrm>
         </p:spPr>
         <p:txBody>
-          <a:bodyPr anchor="b"/>
+          <a:bodyPr anchor="b">
+            <a:noAutofit/>
+          </a:bodyPr>
           <a:lstStyle>
-            <a:lvl1pPr algn="ctr">
-              <a:defRPr sz="6000"/>
+            <a:lvl1pPr algn="l">
+              <a:lnSpc>
+                <a:spcPct val="80000"/>
+              </a:lnSpc>
+              <a:defRPr sz="8800" spc="-120" baseline="0">
+                <a:solidFill>
+                  <a:srgbClr val="FFFFFF"/>
+                </a:solidFill>
+              </a:defRPr>
             </a:lvl1pPr>
           </a:lstStyle>
           <a:p>
             <a:r>
-              <a:rPr lang="en-US"/>
-              <a:t>Click to edit Master title style</a:t>
-            </a:r>
-            <a:endParaRPr lang="en-SE"/>
-          </a:p>
-        </p:txBody>
-      </p:sp>
-      <p:sp>
-        <p:nvSpPr>
-          <p:cNvPr id="3" name="Subtitle 2">
-            <a:extLst>
-              <a:ext uri="{FF2B5EF4-FFF2-40B4-BE49-F238E27FC236}">
-                <a16:creationId xmlns:a16="http://schemas.microsoft.com/office/drawing/2014/main" id="{52010F29-0825-41AC-A985-73616990AF36}"/>
-              </a:ext>
-            </a:extLst>
-          </p:cNvPr>
+              <a:rPr lang="de-DE"/>
+              <a:t>Mastertitelformat bearbeiten</a:t>
+            </a:r>
+            <a:endParaRPr lang="en-US" dirty="0"/>
+          </a:p>
+        </p:txBody>
+      </p:sp>
+      <p:sp>
+        <p:nvSpPr>
+          <p:cNvPr id="3" name="Subtitle 2"/>
           <p:cNvSpPr>
             <a:spLocks noGrp="1"/>
           </p:cNvSpPr>
@@ -182,68 +231,69 @@
         </p:nvSpPr>
         <p:spPr>
           <a:xfrm>
-            <a:off x="1524000" y="3602038"/>
-            <a:ext cx="9144000" cy="1655762"/>
+            <a:off x="667512" y="4206876"/>
+            <a:ext cx="9228201" cy="1645920"/>
           </a:xfrm>
         </p:spPr>
         <p:txBody>
-          <a:bodyPr/>
+          <a:bodyPr>
+            <a:normAutofit/>
+          </a:bodyPr>
           <a:lstStyle>
-            <a:lvl1pPr marL="0" indent="0" algn="ctr">
-              <a:buNone/>
-              <a:defRPr sz="2400"/>
+            <a:lvl1pPr marL="0" indent="0" algn="l">
+              <a:buNone/>
+              <a:defRPr sz="3200">
+                <a:solidFill>
+                  <a:schemeClr val="bg1"/>
+                </a:solidFill>
+                <a:latin typeface="+mj-lt"/>
+              </a:defRPr>
             </a:lvl1pPr>
             <a:lvl2pPr marL="457200" indent="0" algn="ctr">
               <a:buNone/>
-              <a:defRPr sz="2000"/>
+              <a:defRPr sz="2800"/>
             </a:lvl2pPr>
             <a:lvl3pPr marL="914400" indent="0" algn="ctr">
               <a:buNone/>
-              <a:defRPr sz="1800"/>
+              <a:defRPr sz="2400"/>
             </a:lvl3pPr>
             <a:lvl4pPr marL="1371600" indent="0" algn="ctr">
               <a:buNone/>
-              <a:defRPr sz="1600"/>
+              <a:defRPr sz="2000"/>
             </a:lvl4pPr>
             <a:lvl5pPr marL="1828800" indent="0" algn="ctr">
               <a:buNone/>
-              <a:defRPr sz="1600"/>
+              <a:defRPr sz="2000"/>
             </a:lvl5pPr>
             <a:lvl6pPr marL="2286000" indent="0" algn="ctr">
               <a:buNone/>
-              <a:defRPr sz="1600"/>
+              <a:defRPr sz="2000"/>
             </a:lvl6pPr>
             <a:lvl7pPr marL="2743200" indent="0" algn="ctr">
               <a:buNone/>
-              <a:defRPr sz="1600"/>
+              <a:defRPr sz="2000"/>
             </a:lvl7pPr>
             <a:lvl8pPr marL="3200400" indent="0" algn="ctr">
               <a:buNone/>
-              <a:defRPr sz="1600"/>
+              <a:defRPr sz="2000"/>
             </a:lvl8pPr>
             <a:lvl9pPr marL="3657600" indent="0" algn="ctr">
               <a:buNone/>
-              <a:defRPr sz="1600"/>
+              <a:defRPr sz="2000"/>
             </a:lvl9pPr>
           </a:lstStyle>
           <a:p>
             <a:r>
-              <a:rPr lang="en-US"/>
-              <a:t>Click to edit Master subtitle style</a:t>
-            </a:r>
-            <a:endParaRPr lang="en-SE"/>
-          </a:p>
-        </p:txBody>
-      </p:sp>
-      <p:sp>
-        <p:nvSpPr>
-          <p:cNvPr id="4" name="Date Placeholder 3">
-            <a:extLst>
-              <a:ext uri="{FF2B5EF4-FFF2-40B4-BE49-F238E27FC236}">
-                <a16:creationId xmlns:a16="http://schemas.microsoft.com/office/drawing/2014/main" id="{886BA5D5-2EA0-4429-8E8C-C43A18BD007B}"/>
-              </a:ext>
-            </a:extLst>
-          </p:cNvPr>
+              <a:rPr lang="de-DE"/>
+              <a:t>Master-Untertitelformat bearbeiten</a:t>
+            </a:r>
+            <a:endParaRPr lang="en-US" dirty="0"/>
+          </a:p>
+        </p:txBody>
+      </p:sp>
+      <p:sp>
+        <p:nvSpPr>
+          <p:cNvPr id="7" name="Date Placeholder 6"/>
           <p:cNvSpPr>
             <a:spLocks noGrp="1"/>
           </p:cNvSpPr>
@@ -254,11 +304,21 @@
         <p:spPr/>
         <p:txBody>
           <a:bodyPr/>
-          <a:lstStyle/>
+          <a:lstStyle>
+            <a:lvl1pPr>
+              <a:defRPr>
+                <a:solidFill>
+                  <a:srgbClr val="FFFFFF">
+                    <a:alpha val="80000"/>
+                  </a:srgbClr>
+                </a:solidFill>
+              </a:defRPr>
+            </a:lvl1pPr>
+          </a:lstStyle>
           <a:p>
             <a:fld id="{8E78446D-92C2-4ACE-B9DB-5401115AEB86}" type="datetimeFigureOut">
               <a:rPr lang="en-SE" smtClean="0"/>
-              <a:t>2018-01-09</a:t>
+              <a:t>01/10/2018</a:t>
             </a:fld>
             <a:endParaRPr lang="en-SE"/>
           </a:p>
@@ -266,13 +326,7 @@
       </p:sp>
       <p:sp>
         <p:nvSpPr>
-          <p:cNvPr id="5" name="Footer Placeholder 4">
-            <a:extLst>
-              <a:ext uri="{FF2B5EF4-FFF2-40B4-BE49-F238E27FC236}">
-                <a16:creationId xmlns:a16="http://schemas.microsoft.com/office/drawing/2014/main" id="{8BCFB381-25C9-4903-9914-ADA13CDDF499}"/>
-              </a:ext>
-            </a:extLst>
-          </p:cNvPr>
+          <p:cNvPr id="8" name="Footer Placeholder 7"/>
           <p:cNvSpPr>
             <a:spLocks noGrp="1"/>
           </p:cNvSpPr>
@@ -283,7 +337,17 @@
         <p:spPr/>
         <p:txBody>
           <a:bodyPr/>
-          <a:lstStyle/>
+          <a:lstStyle>
+            <a:lvl1pPr>
+              <a:defRPr>
+                <a:solidFill>
+                  <a:srgbClr val="FFFFFF">
+                    <a:alpha val="80000"/>
+                  </a:srgbClr>
+                </a:solidFill>
+              </a:defRPr>
+            </a:lvl1pPr>
+          </a:lstStyle>
           <a:p>
             <a:endParaRPr lang="en-SE"/>
           </a:p>
@@ -291,13 +355,7 @@
       </p:sp>
       <p:sp>
         <p:nvSpPr>
-          <p:cNvPr id="6" name="Slide Number Placeholder 5">
-            <a:extLst>
-              <a:ext uri="{FF2B5EF4-FFF2-40B4-BE49-F238E27FC236}">
-                <a16:creationId xmlns:a16="http://schemas.microsoft.com/office/drawing/2014/main" id="{F7EC718B-2A7E-47A8-95D2-E087C2CC4DAF}"/>
-              </a:ext>
-            </a:extLst>
-          </p:cNvPr>
+          <p:cNvPr id="9" name="Slide Number Placeholder 8"/>
           <p:cNvSpPr>
             <a:spLocks noGrp="1"/>
           </p:cNvSpPr>
@@ -308,11 +366,21 @@
         <p:spPr/>
         <p:txBody>
           <a:bodyPr/>
-          <a:lstStyle/>
+          <a:lstStyle>
+            <a:lvl1pPr>
+              <a:defRPr>
+                <a:solidFill>
+                  <a:srgbClr val="FFFFFF">
+                    <a:alpha val="25000"/>
+                  </a:srgbClr>
+                </a:solidFill>
+              </a:defRPr>
+            </a:lvl1pPr>
+          </a:lstStyle>
           <a:p>
             <a:fld id="{58753DA5-AEF8-4CC7-ADDF-51D88B0AD829}" type="slidenum">
               <a:rPr lang="en-SE" smtClean="0"/>
-              <a:t>‹#›</a:t>
+              <a:t>‹Nr.›</a:t>
             </a:fld>
             <a:endParaRPr lang="en-SE"/>
           </a:p>
@@ -321,7 +389,7 @@
     </p:spTree>
     <p:extLst>
       <p:ext uri="{BB962C8B-B14F-4D97-AF65-F5344CB8AC3E}">
-        <p14:creationId xmlns:p14="http://schemas.microsoft.com/office/powerpoint/2010/main" val="2656087102"/>
+        <p14:creationId xmlns:p14="http://schemas.microsoft.com/office/powerpoint/2010/main" val="438360370"/>
       </p:ext>
     </p:extLst>
   </p:cSld>
@@ -333,7 +401,7 @@
 
 <file path=ppt/slideLayouts/slideLayout10.xml><?xml version="1.0" encoding="utf-8"?>
 <p:sldLayout xmlns:a="http://schemas.openxmlformats.org/drawingml/2006/main" xmlns:r="http://schemas.openxmlformats.org/officeDocument/2006/relationships" xmlns:p="http://schemas.openxmlformats.org/presentationml/2006/main" type="vertTx" preserve="1">
-  <p:cSld name="Title and Vertical Text">
+  <p:cSld name="Titel und vertikaler Text">
     <p:spTree>
       <p:nvGrpSpPr>
         <p:cNvPr id="1" name=""/>
@@ -350,13 +418,7 @@
       </p:grpSpPr>
       <p:sp>
         <p:nvSpPr>
-          <p:cNvPr id="2" name="Title 1">
-            <a:extLst>
-              <a:ext uri="{FF2B5EF4-FFF2-40B4-BE49-F238E27FC236}">
-                <a16:creationId xmlns:a16="http://schemas.microsoft.com/office/drawing/2014/main" id="{60EF8FCD-CEA7-4290-8BA1-A3E3C69CCBE3}"/>
-              </a:ext>
-            </a:extLst>
-          </p:cNvPr>
+          <p:cNvPr id="2" name="Title 1"/>
           <p:cNvSpPr>
             <a:spLocks noGrp="1"/>
           </p:cNvSpPr>
@@ -370,22 +432,16 @@
           <a:lstStyle/>
           <a:p>
             <a:r>
-              <a:rPr lang="en-US"/>
-              <a:t>Click to edit Master title style</a:t>
-            </a:r>
-            <a:endParaRPr lang="en-SE"/>
-          </a:p>
-        </p:txBody>
-      </p:sp>
-      <p:sp>
-        <p:nvSpPr>
-          <p:cNvPr id="3" name="Vertical Text Placeholder 2">
-            <a:extLst>
-              <a:ext uri="{FF2B5EF4-FFF2-40B4-BE49-F238E27FC236}">
-                <a16:creationId xmlns:a16="http://schemas.microsoft.com/office/drawing/2014/main" id="{07606D20-CB98-4D0E-BB77-E321EEABF916}"/>
-              </a:ext>
-            </a:extLst>
-          </p:cNvPr>
+              <a:rPr lang="de-DE"/>
+              <a:t>Mastertitelformat bearbeiten</a:t>
+            </a:r>
+            <a:endParaRPr lang="en-US" dirty="0"/>
+          </a:p>
+        </p:txBody>
+      </p:sp>
+      <p:sp>
+        <p:nvSpPr>
+          <p:cNvPr id="3" name="Vertical Text Placeholder 2"/>
           <p:cNvSpPr>
             <a:spLocks noGrp="1"/>
           </p:cNvSpPr>
@@ -400,50 +456,44 @@
           <a:p>
             <a:pPr lvl="0"/>
             <a:r>
-              <a:rPr lang="en-US"/>
-              <a:t>Edit Master text styles</a:t>
+              <a:rPr lang="de-DE"/>
+              <a:t>Mastertextformat bearbeiten</a:t>
             </a:r>
           </a:p>
           <a:p>
             <a:pPr lvl="1"/>
             <a:r>
-              <a:rPr lang="en-US"/>
-              <a:t>Second level</a:t>
+              <a:rPr lang="de-DE"/>
+              <a:t>Zweite Ebene</a:t>
             </a:r>
           </a:p>
           <a:p>
             <a:pPr lvl="2"/>
             <a:r>
-              <a:rPr lang="en-US"/>
-              <a:t>Third level</a:t>
+              <a:rPr lang="de-DE"/>
+              <a:t>Dritte Ebene</a:t>
             </a:r>
           </a:p>
           <a:p>
             <a:pPr lvl="3"/>
             <a:r>
-              <a:rPr lang="en-US"/>
-              <a:t>Fourth level</a:t>
+              <a:rPr lang="de-DE"/>
+              <a:t>Vierte Ebene</a:t>
             </a:r>
           </a:p>
           <a:p>
             <a:pPr lvl="4"/>
             <a:r>
-              <a:rPr lang="en-US"/>
-              <a:t>Fifth level</a:t>
-            </a:r>
-            <a:endParaRPr lang="en-SE"/>
-          </a:p>
-        </p:txBody>
-      </p:sp>
-      <p:sp>
-        <p:nvSpPr>
-          <p:cNvPr id="4" name="Date Placeholder 3">
-            <a:extLst>
-              <a:ext uri="{FF2B5EF4-FFF2-40B4-BE49-F238E27FC236}">
-                <a16:creationId xmlns:a16="http://schemas.microsoft.com/office/drawing/2014/main" id="{4FE4DD70-501F-4654-9BDB-97B8D57DC7F6}"/>
-              </a:ext>
-            </a:extLst>
-          </p:cNvPr>
+              <a:rPr lang="de-DE"/>
+              <a:t>Fünfte Ebene</a:t>
+            </a:r>
+            <a:endParaRPr lang="en-US" dirty="0"/>
+          </a:p>
+        </p:txBody>
+      </p:sp>
+      <p:sp>
+        <p:nvSpPr>
+          <p:cNvPr id="4" name="Date Placeholder 3"/>
           <p:cNvSpPr>
             <a:spLocks noGrp="1"/>
           </p:cNvSpPr>
@@ -458,7 +508,7 @@
           <a:p>
             <a:fld id="{8E78446D-92C2-4ACE-B9DB-5401115AEB86}" type="datetimeFigureOut">
               <a:rPr lang="en-SE" smtClean="0"/>
-              <a:t>2018-01-09</a:t>
+              <a:t>01/10/2018</a:t>
             </a:fld>
             <a:endParaRPr lang="en-SE"/>
           </a:p>
@@ -466,13 +516,7 @@
       </p:sp>
       <p:sp>
         <p:nvSpPr>
-          <p:cNvPr id="5" name="Footer Placeholder 4">
-            <a:extLst>
-              <a:ext uri="{FF2B5EF4-FFF2-40B4-BE49-F238E27FC236}">
-                <a16:creationId xmlns:a16="http://schemas.microsoft.com/office/drawing/2014/main" id="{A2DB4F83-3F17-468A-89A0-7C973F29DE92}"/>
-              </a:ext>
-            </a:extLst>
-          </p:cNvPr>
+          <p:cNvPr id="5" name="Footer Placeholder 4"/>
           <p:cNvSpPr>
             <a:spLocks noGrp="1"/>
           </p:cNvSpPr>
@@ -491,13 +535,7 @@
       </p:sp>
       <p:sp>
         <p:nvSpPr>
-          <p:cNvPr id="6" name="Slide Number Placeholder 5">
-            <a:extLst>
-              <a:ext uri="{FF2B5EF4-FFF2-40B4-BE49-F238E27FC236}">
-                <a16:creationId xmlns:a16="http://schemas.microsoft.com/office/drawing/2014/main" id="{04DB72F8-93B5-4329-BB55-3C5F1437DD1A}"/>
-              </a:ext>
-            </a:extLst>
-          </p:cNvPr>
+          <p:cNvPr id="6" name="Slide Number Placeholder 5"/>
           <p:cNvSpPr>
             <a:spLocks noGrp="1"/>
           </p:cNvSpPr>
@@ -512,7 +550,7 @@
           <a:p>
             <a:fld id="{58753DA5-AEF8-4CC7-ADDF-51D88B0AD829}" type="slidenum">
               <a:rPr lang="en-SE" smtClean="0"/>
-              <a:t>‹#›</a:t>
+              <a:t>‹Nr.›</a:t>
             </a:fld>
             <a:endParaRPr lang="en-SE"/>
           </a:p>
@@ -521,7 +559,7 @@
     </p:spTree>
     <p:extLst>
       <p:ext uri="{BB962C8B-B14F-4D97-AF65-F5344CB8AC3E}">
-        <p14:creationId xmlns:p14="http://schemas.microsoft.com/office/powerpoint/2010/main" val="697134358"/>
+        <p14:creationId xmlns:p14="http://schemas.microsoft.com/office/powerpoint/2010/main" val="2256371239"/>
       </p:ext>
     </p:extLst>
   </p:cSld>
@@ -533,7 +571,7 @@
 
 <file path=ppt/slideLayouts/slideLayout11.xml><?xml version="1.0" encoding="utf-8"?>
 <p:sldLayout xmlns:a="http://schemas.openxmlformats.org/drawingml/2006/main" xmlns:r="http://schemas.openxmlformats.org/officeDocument/2006/relationships" xmlns:p="http://schemas.openxmlformats.org/presentationml/2006/main" type="vertTitleAndTx" preserve="1">
-  <p:cSld name="Vertical Title and Text">
+  <p:cSld name="Vertikaler Titel und Text">
     <p:spTree>
       <p:nvGrpSpPr>
         <p:cNvPr id="1" name=""/>
@@ -550,13 +588,7 @@
       </p:grpSpPr>
       <p:sp>
         <p:nvSpPr>
-          <p:cNvPr id="2" name="Vertical Title 1">
-            <a:extLst>
-              <a:ext uri="{FF2B5EF4-FFF2-40B4-BE49-F238E27FC236}">
-                <a16:creationId xmlns:a16="http://schemas.microsoft.com/office/drawing/2014/main" id="{0841C778-9451-4870-B1FB-41BA82164354}"/>
-              </a:ext>
-            </a:extLst>
-          </p:cNvPr>
+          <p:cNvPr id="2" name="Vertical Title 1"/>
           <p:cNvSpPr>
             <a:spLocks noGrp="1"/>
           </p:cNvSpPr>
@@ -566,8 +598,8 @@
         </p:nvSpPr>
         <p:spPr>
           <a:xfrm>
-            <a:off x="8724900" y="365125"/>
-            <a:ext cx="2628900" cy="5811838"/>
+            <a:off x="8743950" y="695325"/>
+            <a:ext cx="2628900" cy="4800600"/>
           </a:xfrm>
         </p:spPr>
         <p:txBody>
@@ -575,22 +607,16 @@
           <a:lstStyle/>
           <a:p>
             <a:r>
-              <a:rPr lang="en-US"/>
-              <a:t>Click to edit Master title style</a:t>
-            </a:r>
-            <a:endParaRPr lang="en-SE"/>
-          </a:p>
-        </p:txBody>
-      </p:sp>
-      <p:sp>
-        <p:nvSpPr>
-          <p:cNvPr id="3" name="Vertical Text Placeholder 2">
-            <a:extLst>
-              <a:ext uri="{FF2B5EF4-FFF2-40B4-BE49-F238E27FC236}">
-                <a16:creationId xmlns:a16="http://schemas.microsoft.com/office/drawing/2014/main" id="{5DEA6E47-F58A-4401-92BB-DC4AAB3E4873}"/>
-              </a:ext>
-            </a:extLst>
-          </p:cNvPr>
+              <a:rPr lang="de-DE"/>
+              <a:t>Mastertitelformat bearbeiten</a:t>
+            </a:r>
+            <a:endParaRPr lang="en-US" dirty="0"/>
+          </a:p>
+        </p:txBody>
+      </p:sp>
+      <p:sp>
+        <p:nvSpPr>
+          <p:cNvPr id="3" name="Vertical Text Placeholder 2"/>
           <p:cNvSpPr>
             <a:spLocks noGrp="1"/>
           </p:cNvSpPr>
@@ -600,8 +626,8 @@
         </p:nvSpPr>
         <p:spPr>
           <a:xfrm>
-            <a:off x="838200" y="365125"/>
-            <a:ext cx="7734300" cy="5811838"/>
+            <a:off x="771525" y="714375"/>
+            <a:ext cx="7734300" cy="5400675"/>
           </a:xfrm>
         </p:spPr>
         <p:txBody>
@@ -610,50 +636,44 @@
           <a:p>
             <a:pPr lvl="0"/>
             <a:r>
-              <a:rPr lang="en-US"/>
-              <a:t>Edit Master text styles</a:t>
+              <a:rPr lang="de-DE"/>
+              <a:t>Mastertextformat bearbeiten</a:t>
             </a:r>
           </a:p>
           <a:p>
             <a:pPr lvl="1"/>
             <a:r>
-              <a:rPr lang="en-US"/>
-              <a:t>Second level</a:t>
+              <a:rPr lang="de-DE"/>
+              <a:t>Zweite Ebene</a:t>
             </a:r>
           </a:p>
           <a:p>
             <a:pPr lvl="2"/>
             <a:r>
-              <a:rPr lang="en-US"/>
-              <a:t>Third level</a:t>
+              <a:rPr lang="de-DE"/>
+              <a:t>Dritte Ebene</a:t>
             </a:r>
           </a:p>
           <a:p>
             <a:pPr lvl="3"/>
             <a:r>
-              <a:rPr lang="en-US"/>
-              <a:t>Fourth level</a:t>
+              <a:rPr lang="de-DE"/>
+              <a:t>Vierte Ebene</a:t>
             </a:r>
           </a:p>
           <a:p>
             <a:pPr lvl="4"/>
             <a:r>
-              <a:rPr lang="en-US"/>
-              <a:t>Fifth level</a:t>
-            </a:r>
-            <a:endParaRPr lang="en-SE"/>
-          </a:p>
-        </p:txBody>
-      </p:sp>
-      <p:sp>
-        <p:nvSpPr>
-          <p:cNvPr id="4" name="Date Placeholder 3">
-            <a:extLst>
-              <a:ext uri="{FF2B5EF4-FFF2-40B4-BE49-F238E27FC236}">
-                <a16:creationId xmlns:a16="http://schemas.microsoft.com/office/drawing/2014/main" id="{C3397356-6299-4D52-9169-9F6961B1F30E}"/>
-              </a:ext>
-            </a:extLst>
-          </p:cNvPr>
+              <a:rPr lang="de-DE"/>
+              <a:t>Fünfte Ebene</a:t>
+            </a:r>
+            <a:endParaRPr lang="en-US" dirty="0"/>
+          </a:p>
+        </p:txBody>
+      </p:sp>
+      <p:sp>
+        <p:nvSpPr>
+          <p:cNvPr id="4" name="Date Placeholder 3"/>
           <p:cNvSpPr>
             <a:spLocks noGrp="1"/>
           </p:cNvSpPr>
@@ -668,7 +688,7 @@
           <a:p>
             <a:fld id="{8E78446D-92C2-4ACE-B9DB-5401115AEB86}" type="datetimeFigureOut">
               <a:rPr lang="en-SE" smtClean="0"/>
-              <a:t>2018-01-09</a:t>
+              <a:t>01/10/2018</a:t>
             </a:fld>
             <a:endParaRPr lang="en-SE"/>
           </a:p>
@@ -676,13 +696,7 @@
       </p:sp>
       <p:sp>
         <p:nvSpPr>
-          <p:cNvPr id="5" name="Footer Placeholder 4">
-            <a:extLst>
-              <a:ext uri="{FF2B5EF4-FFF2-40B4-BE49-F238E27FC236}">
-                <a16:creationId xmlns:a16="http://schemas.microsoft.com/office/drawing/2014/main" id="{436A23B8-EA78-4883-8FBD-669AE2B006FE}"/>
-              </a:ext>
-            </a:extLst>
-          </p:cNvPr>
+          <p:cNvPr id="5" name="Footer Placeholder 4"/>
           <p:cNvSpPr>
             <a:spLocks noGrp="1"/>
           </p:cNvSpPr>
@@ -701,13 +715,7 @@
       </p:sp>
       <p:sp>
         <p:nvSpPr>
-          <p:cNvPr id="6" name="Slide Number Placeholder 5">
-            <a:extLst>
-              <a:ext uri="{FF2B5EF4-FFF2-40B4-BE49-F238E27FC236}">
-                <a16:creationId xmlns:a16="http://schemas.microsoft.com/office/drawing/2014/main" id="{0E30A6B9-EE53-4FF9-BB48-17CBC7C674B6}"/>
-              </a:ext>
-            </a:extLst>
-          </p:cNvPr>
+          <p:cNvPr id="6" name="Slide Number Placeholder 5"/>
           <p:cNvSpPr>
             <a:spLocks noGrp="1"/>
           </p:cNvSpPr>
@@ -722,7 +730,7 @@
           <a:p>
             <a:fld id="{58753DA5-AEF8-4CC7-ADDF-51D88B0AD829}" type="slidenum">
               <a:rPr lang="en-SE" smtClean="0"/>
-              <a:t>‹#›</a:t>
+              <a:t>‹Nr.›</a:t>
             </a:fld>
             <a:endParaRPr lang="en-SE"/>
           </a:p>
@@ -731,7 +739,7 @@
     </p:spTree>
     <p:extLst>
       <p:ext uri="{BB962C8B-B14F-4D97-AF65-F5344CB8AC3E}">
-        <p14:creationId xmlns:p14="http://schemas.microsoft.com/office/powerpoint/2010/main" val="4045224368"/>
+        <p14:creationId xmlns:p14="http://schemas.microsoft.com/office/powerpoint/2010/main" val="437518152"/>
       </p:ext>
     </p:extLst>
   </p:cSld>
@@ -743,7 +751,7 @@
 
 <file path=ppt/slideLayouts/slideLayout2.xml><?xml version="1.0" encoding="utf-8"?>
 <p:sldLayout xmlns:a="http://schemas.openxmlformats.org/drawingml/2006/main" xmlns:r="http://schemas.openxmlformats.org/officeDocument/2006/relationships" xmlns:p="http://schemas.openxmlformats.org/presentationml/2006/main" type="obj" preserve="1">
-  <p:cSld name="Title and Content">
+  <p:cSld name="Titel und Inhalt">
     <p:spTree>
       <p:nvGrpSpPr>
         <p:cNvPr id="1" name=""/>
@@ -760,13 +768,7 @@
       </p:grpSpPr>
       <p:sp>
         <p:nvSpPr>
-          <p:cNvPr id="2" name="Title 1">
-            <a:extLst>
-              <a:ext uri="{FF2B5EF4-FFF2-40B4-BE49-F238E27FC236}">
-                <a16:creationId xmlns:a16="http://schemas.microsoft.com/office/drawing/2014/main" id="{8A25BC49-71F8-460F-BDD0-A1BA0D71826A}"/>
-              </a:ext>
-            </a:extLst>
-          </p:cNvPr>
+          <p:cNvPr id="2" name="Title 1"/>
           <p:cNvSpPr>
             <a:spLocks noGrp="1"/>
           </p:cNvSpPr>
@@ -780,22 +782,16 @@
           <a:lstStyle/>
           <a:p>
             <a:r>
-              <a:rPr lang="en-US"/>
-              <a:t>Click to edit Master title style</a:t>
-            </a:r>
-            <a:endParaRPr lang="en-SE"/>
-          </a:p>
-        </p:txBody>
-      </p:sp>
-      <p:sp>
-        <p:nvSpPr>
-          <p:cNvPr id="3" name="Content Placeholder 2">
-            <a:extLst>
-              <a:ext uri="{FF2B5EF4-FFF2-40B4-BE49-F238E27FC236}">
-                <a16:creationId xmlns:a16="http://schemas.microsoft.com/office/drawing/2014/main" id="{7EA21596-FB7C-46A8-B916-0AA5730D316A}"/>
-              </a:ext>
-            </a:extLst>
-          </p:cNvPr>
+              <a:rPr lang="de-DE"/>
+              <a:t>Mastertitelformat bearbeiten</a:t>
+            </a:r>
+            <a:endParaRPr lang="en-US" dirty="0"/>
+          </a:p>
+        </p:txBody>
+      </p:sp>
+      <p:sp>
+        <p:nvSpPr>
+          <p:cNvPr id="3" name="Content Placeholder 2"/>
           <p:cNvSpPr>
             <a:spLocks noGrp="1"/>
           </p:cNvSpPr>
@@ -810,50 +806,44 @@
           <a:p>
             <a:pPr lvl="0"/>
             <a:r>
-              <a:rPr lang="en-US"/>
-              <a:t>Edit Master text styles</a:t>
+              <a:rPr lang="de-DE"/>
+              <a:t>Mastertextformat bearbeiten</a:t>
             </a:r>
           </a:p>
           <a:p>
             <a:pPr lvl="1"/>
             <a:r>
-              <a:rPr lang="en-US"/>
-              <a:t>Second level</a:t>
+              <a:rPr lang="de-DE"/>
+              <a:t>Zweite Ebene</a:t>
             </a:r>
           </a:p>
           <a:p>
             <a:pPr lvl="2"/>
             <a:r>
-              <a:rPr lang="en-US"/>
-              <a:t>Third level</a:t>
+              <a:rPr lang="de-DE"/>
+              <a:t>Dritte Ebene</a:t>
             </a:r>
           </a:p>
           <a:p>
             <a:pPr lvl="3"/>
             <a:r>
-              <a:rPr lang="en-US"/>
-              <a:t>Fourth level</a:t>
+              <a:rPr lang="de-DE"/>
+              <a:t>Vierte Ebene</a:t>
             </a:r>
           </a:p>
           <a:p>
             <a:pPr lvl="4"/>
             <a:r>
-              <a:rPr lang="en-US"/>
-              <a:t>Fifth level</a:t>
-            </a:r>
-            <a:endParaRPr lang="en-SE"/>
-          </a:p>
-        </p:txBody>
-      </p:sp>
-      <p:sp>
-        <p:nvSpPr>
-          <p:cNvPr id="4" name="Date Placeholder 3">
-            <a:extLst>
-              <a:ext uri="{FF2B5EF4-FFF2-40B4-BE49-F238E27FC236}">
-                <a16:creationId xmlns:a16="http://schemas.microsoft.com/office/drawing/2014/main" id="{E68FBAD9-376A-4E3F-A921-9C0ECD8772E2}"/>
-              </a:ext>
-            </a:extLst>
-          </p:cNvPr>
+              <a:rPr lang="de-DE"/>
+              <a:t>Fünfte Ebene</a:t>
+            </a:r>
+            <a:endParaRPr lang="en-US" dirty="0"/>
+          </a:p>
+        </p:txBody>
+      </p:sp>
+      <p:sp>
+        <p:nvSpPr>
+          <p:cNvPr id="4" name="Date Placeholder 3"/>
           <p:cNvSpPr>
             <a:spLocks noGrp="1"/>
           </p:cNvSpPr>
@@ -868,7 +858,7 @@
           <a:p>
             <a:fld id="{8E78446D-92C2-4ACE-B9DB-5401115AEB86}" type="datetimeFigureOut">
               <a:rPr lang="en-SE" smtClean="0"/>
-              <a:t>2018-01-09</a:t>
+              <a:t>01/10/2018</a:t>
             </a:fld>
             <a:endParaRPr lang="en-SE"/>
           </a:p>
@@ -876,13 +866,7 @@
       </p:sp>
       <p:sp>
         <p:nvSpPr>
-          <p:cNvPr id="5" name="Footer Placeholder 4">
-            <a:extLst>
-              <a:ext uri="{FF2B5EF4-FFF2-40B4-BE49-F238E27FC236}">
-                <a16:creationId xmlns:a16="http://schemas.microsoft.com/office/drawing/2014/main" id="{13914638-0CD7-4E5D-A753-EBA2EA5D1376}"/>
-              </a:ext>
-            </a:extLst>
-          </p:cNvPr>
+          <p:cNvPr id="5" name="Footer Placeholder 4"/>
           <p:cNvSpPr>
             <a:spLocks noGrp="1"/>
           </p:cNvSpPr>
@@ -901,13 +885,7 @@
       </p:sp>
       <p:sp>
         <p:nvSpPr>
-          <p:cNvPr id="6" name="Slide Number Placeholder 5">
-            <a:extLst>
-              <a:ext uri="{FF2B5EF4-FFF2-40B4-BE49-F238E27FC236}">
-                <a16:creationId xmlns:a16="http://schemas.microsoft.com/office/drawing/2014/main" id="{9EA8FAF5-87EF-4178-A707-9010626CD98C}"/>
-              </a:ext>
-            </a:extLst>
-          </p:cNvPr>
+          <p:cNvPr id="6" name="Slide Number Placeholder 5"/>
           <p:cNvSpPr>
             <a:spLocks noGrp="1"/>
           </p:cNvSpPr>
@@ -922,7 +900,7 @@
           <a:p>
             <a:fld id="{58753DA5-AEF8-4CC7-ADDF-51D88B0AD829}" type="slidenum">
               <a:rPr lang="en-SE" smtClean="0"/>
-              <a:t>‹#›</a:t>
+              <a:t>‹Nr.›</a:t>
             </a:fld>
             <a:endParaRPr lang="en-SE"/>
           </a:p>
@@ -931,7 +909,7 @@
     </p:spTree>
     <p:extLst>
       <p:ext uri="{BB962C8B-B14F-4D97-AF65-F5344CB8AC3E}">
-        <p14:creationId xmlns:p14="http://schemas.microsoft.com/office/powerpoint/2010/main" val="1007408960"/>
+        <p14:creationId xmlns:p14="http://schemas.microsoft.com/office/powerpoint/2010/main" val="3928593086"/>
       </p:ext>
     </p:extLst>
   </p:cSld>
@@ -943,7 +921,7 @@
 
 <file path=ppt/slideLayouts/slideLayout3.xml><?xml version="1.0" encoding="utf-8"?>
 <p:sldLayout xmlns:a="http://schemas.openxmlformats.org/drawingml/2006/main" xmlns:r="http://schemas.openxmlformats.org/officeDocument/2006/relationships" xmlns:p="http://schemas.openxmlformats.org/presentationml/2006/main" type="secHead" preserve="1">
-  <p:cSld name="Section Header">
+  <p:cSld name="Abschnitts-&#10;überschrift">
     <p:spTree>
       <p:nvGrpSpPr>
         <p:cNvPr id="1" name=""/>
@@ -960,13 +938,7 @@
       </p:grpSpPr>
       <p:sp>
         <p:nvSpPr>
-          <p:cNvPr id="2" name="Title 1">
-            <a:extLst>
-              <a:ext uri="{FF2B5EF4-FFF2-40B4-BE49-F238E27FC236}">
-                <a16:creationId xmlns:a16="http://schemas.microsoft.com/office/drawing/2014/main" id="{FB4AD935-D8AF-4D36-A43F-0DDDC8721B08}"/>
-              </a:ext>
-            </a:extLst>
-          </p:cNvPr>
+          <p:cNvPr id="2" name="Title 1"/>
           <p:cNvSpPr>
             <a:spLocks noGrp="1"/>
           </p:cNvSpPr>
@@ -976,64 +948,68 @@
         </p:nvSpPr>
         <p:spPr>
           <a:xfrm>
-            <a:off x="831850" y="1709738"/>
-            <a:ext cx="10515600" cy="2852737"/>
+            <a:off x="603504" y="767419"/>
+            <a:ext cx="10780776" cy="3355848"/>
           </a:xfrm>
         </p:spPr>
         <p:txBody>
-          <a:bodyPr anchor="b"/>
+          <a:bodyPr anchor="b">
+            <a:normAutofit/>
+          </a:bodyPr>
           <a:lstStyle>
             <a:lvl1pPr>
-              <a:defRPr sz="6000"/>
-            </a:lvl1pPr>
-          </a:lstStyle>
-          <a:p>
-            <a:r>
-              <a:rPr lang="en-US"/>
-              <a:t>Click to edit Master title style</a:t>
-            </a:r>
-            <a:endParaRPr lang="en-SE"/>
-          </a:p>
-        </p:txBody>
-      </p:sp>
-      <p:sp>
-        <p:nvSpPr>
-          <p:cNvPr id="3" name="Text Placeholder 2">
-            <a:extLst>
-              <a:ext uri="{FF2B5EF4-FFF2-40B4-BE49-F238E27FC236}">
-                <a16:creationId xmlns:a16="http://schemas.microsoft.com/office/drawing/2014/main" id="{CA644372-DFF4-4960-BE74-DA0919C5A60C}"/>
-              </a:ext>
-            </a:extLst>
-          </p:cNvPr>
-          <p:cNvSpPr>
-            <a:spLocks noGrp="1"/>
-          </p:cNvSpPr>
-          <p:nvPr>
-            <p:ph type="body" idx="1"/>
-          </p:nvPr>
-        </p:nvSpPr>
-        <p:spPr>
-          <a:xfrm>
-            <a:off x="831850" y="4589463"/>
-            <a:ext cx="10515600" cy="1500187"/>
-          </a:xfrm>
-        </p:spPr>
-        <p:txBody>
-          <a:bodyPr/>
-          <a:lstStyle>
-            <a:lvl1pPr marL="0" indent="0">
-              <a:buNone/>
-              <a:defRPr sz="2400">
+              <a:lnSpc>
+                <a:spcPct val="80000"/>
+              </a:lnSpc>
+              <a:defRPr sz="8800" b="0" baseline="0">
                 <a:solidFill>
-                  <a:schemeClr val="tx1">
-                    <a:tint val="75000"/>
-                  </a:schemeClr>
+                  <a:schemeClr val="accent1"/>
                 </a:solidFill>
               </a:defRPr>
             </a:lvl1pPr>
+          </a:lstStyle>
+          <a:p>
+            <a:r>
+              <a:rPr lang="de-DE"/>
+              <a:t>Mastertitelformat bearbeiten</a:t>
+            </a:r>
+            <a:endParaRPr lang="en-US" dirty="0"/>
+          </a:p>
+        </p:txBody>
+      </p:sp>
+      <p:sp>
+        <p:nvSpPr>
+          <p:cNvPr id="3" name="Text Placeholder 2"/>
+          <p:cNvSpPr>
+            <a:spLocks noGrp="1"/>
+          </p:cNvSpPr>
+          <p:nvPr>
+            <p:ph type="body" idx="1"/>
+          </p:nvPr>
+        </p:nvSpPr>
+        <p:spPr>
+          <a:xfrm>
+            <a:off x="667512" y="4204209"/>
+            <a:ext cx="9226296" cy="1645920"/>
+          </a:xfrm>
+        </p:spPr>
+        <p:txBody>
+          <a:bodyPr anchor="t">
+            <a:normAutofit/>
+          </a:bodyPr>
+          <a:lstStyle>
+            <a:lvl1pPr marL="0" indent="0">
+              <a:buNone/>
+              <a:defRPr sz="3200">
+                <a:solidFill>
+                  <a:schemeClr val="tx1"/>
+                </a:solidFill>
+                <a:latin typeface="+mj-lt"/>
+              </a:defRPr>
+            </a:lvl1pPr>
             <a:lvl2pPr marL="457200" indent="0">
               <a:buNone/>
-              <a:defRPr sz="2000">
+              <a:defRPr sz="1800">
                 <a:solidFill>
                   <a:schemeClr val="tx1">
                     <a:tint val="75000"/>
@@ -1043,7 +1019,7 @@
             </a:lvl2pPr>
             <a:lvl3pPr marL="914400" indent="0">
               <a:buNone/>
-              <a:defRPr sz="1800">
+              <a:defRPr sz="1600">
                 <a:solidFill>
                   <a:schemeClr val="tx1">
                     <a:tint val="75000"/>
@@ -1053,7 +1029,7 @@
             </a:lvl3pPr>
             <a:lvl4pPr marL="1371600" indent="0">
               <a:buNone/>
-              <a:defRPr sz="1600">
+              <a:defRPr sz="1400">
                 <a:solidFill>
                   <a:schemeClr val="tx1">
                     <a:tint val="75000"/>
@@ -1063,7 +1039,7 @@
             </a:lvl4pPr>
             <a:lvl5pPr marL="1828800" indent="0">
               <a:buNone/>
-              <a:defRPr sz="1600">
+              <a:defRPr sz="1400">
                 <a:solidFill>
                   <a:schemeClr val="tx1">
                     <a:tint val="75000"/>
@@ -1073,7 +1049,7 @@
             </a:lvl5pPr>
             <a:lvl6pPr marL="2286000" indent="0">
               <a:buNone/>
-              <a:defRPr sz="1600">
+              <a:defRPr sz="1400">
                 <a:solidFill>
                   <a:schemeClr val="tx1">
                     <a:tint val="75000"/>
@@ -1083,7 +1059,7 @@
             </a:lvl6pPr>
             <a:lvl7pPr marL="2743200" indent="0">
               <a:buNone/>
-              <a:defRPr sz="1600">
+              <a:defRPr sz="1400">
                 <a:solidFill>
                   <a:schemeClr val="tx1">
                     <a:tint val="75000"/>
@@ -1093,7 +1069,7 @@
             </a:lvl7pPr>
             <a:lvl8pPr marL="3200400" indent="0">
               <a:buNone/>
-              <a:defRPr sz="1600">
+              <a:defRPr sz="1400">
                 <a:solidFill>
                   <a:schemeClr val="tx1">
                     <a:tint val="75000"/>
@@ -1103,7 +1079,7 @@
             </a:lvl8pPr>
             <a:lvl9pPr marL="3657600" indent="0">
               <a:buNone/>
-              <a:defRPr sz="1600">
+              <a:defRPr sz="1400">
                 <a:solidFill>
                   <a:schemeClr val="tx1">
                     <a:tint val="75000"/>
@@ -1115,21 +1091,15 @@
           <a:p>
             <a:pPr lvl="0"/>
             <a:r>
-              <a:rPr lang="en-US"/>
-              <a:t>Edit Master text styles</a:t>
-            </a:r>
-          </a:p>
-        </p:txBody>
-      </p:sp>
-      <p:sp>
-        <p:nvSpPr>
-          <p:cNvPr id="4" name="Date Placeholder 3">
-            <a:extLst>
-              <a:ext uri="{FF2B5EF4-FFF2-40B4-BE49-F238E27FC236}">
-                <a16:creationId xmlns:a16="http://schemas.microsoft.com/office/drawing/2014/main" id="{225FD365-235B-4BC8-A9FE-E07EF4223F14}"/>
-              </a:ext>
-            </a:extLst>
-          </p:cNvPr>
+              <a:rPr lang="de-DE"/>
+              <a:t>Mastertextformat bearbeiten</a:t>
+            </a:r>
+          </a:p>
+        </p:txBody>
+      </p:sp>
+      <p:sp>
+        <p:nvSpPr>
+          <p:cNvPr id="4" name="Date Placeholder 3"/>
           <p:cNvSpPr>
             <a:spLocks noGrp="1"/>
           </p:cNvSpPr>
@@ -1144,7 +1114,7 @@
           <a:p>
             <a:fld id="{8E78446D-92C2-4ACE-B9DB-5401115AEB86}" type="datetimeFigureOut">
               <a:rPr lang="en-SE" smtClean="0"/>
-              <a:t>2018-01-09</a:t>
+              <a:t>01/10/2018</a:t>
             </a:fld>
             <a:endParaRPr lang="en-SE"/>
           </a:p>
@@ -1152,13 +1122,7 @@
       </p:sp>
       <p:sp>
         <p:nvSpPr>
-          <p:cNvPr id="5" name="Footer Placeholder 4">
-            <a:extLst>
-              <a:ext uri="{FF2B5EF4-FFF2-40B4-BE49-F238E27FC236}">
-                <a16:creationId xmlns:a16="http://schemas.microsoft.com/office/drawing/2014/main" id="{4CA21FFC-9E1C-4ECB-9A5A-E1C90F2B1A82}"/>
-              </a:ext>
-            </a:extLst>
-          </p:cNvPr>
+          <p:cNvPr id="5" name="Footer Placeholder 4"/>
           <p:cNvSpPr>
             <a:spLocks noGrp="1"/>
           </p:cNvSpPr>
@@ -1177,13 +1141,7 @@
       </p:sp>
       <p:sp>
         <p:nvSpPr>
-          <p:cNvPr id="6" name="Slide Number Placeholder 5">
-            <a:extLst>
-              <a:ext uri="{FF2B5EF4-FFF2-40B4-BE49-F238E27FC236}">
-                <a16:creationId xmlns:a16="http://schemas.microsoft.com/office/drawing/2014/main" id="{B61FD171-8411-40F4-99A9-4324B626E5FA}"/>
-              </a:ext>
-            </a:extLst>
-          </p:cNvPr>
+          <p:cNvPr id="6" name="Slide Number Placeholder 5"/>
           <p:cNvSpPr>
             <a:spLocks noGrp="1"/>
           </p:cNvSpPr>
@@ -1198,7 +1156,7 @@
           <a:p>
             <a:fld id="{58753DA5-AEF8-4CC7-ADDF-51D88B0AD829}" type="slidenum">
               <a:rPr lang="en-SE" smtClean="0"/>
-              <a:t>‹#›</a:t>
+              <a:t>‹Nr.›</a:t>
             </a:fld>
             <a:endParaRPr lang="en-SE"/>
           </a:p>
@@ -1207,7 +1165,7 @@
     </p:spTree>
     <p:extLst>
       <p:ext uri="{BB962C8B-B14F-4D97-AF65-F5344CB8AC3E}">
-        <p14:creationId xmlns:p14="http://schemas.microsoft.com/office/powerpoint/2010/main" val="1471160790"/>
+        <p14:creationId xmlns:p14="http://schemas.microsoft.com/office/powerpoint/2010/main" val="597199453"/>
       </p:ext>
     </p:extLst>
   </p:cSld>
@@ -1219,7 +1177,7 @@
 
 <file path=ppt/slideLayouts/slideLayout4.xml><?xml version="1.0" encoding="utf-8"?>
 <p:sldLayout xmlns:a="http://schemas.openxmlformats.org/drawingml/2006/main" xmlns:r="http://schemas.openxmlformats.org/officeDocument/2006/relationships" xmlns:p="http://schemas.openxmlformats.org/presentationml/2006/main" type="twoObj" preserve="1">
-  <p:cSld name="Two Content">
+  <p:cSld name="Zwei Inhalte">
     <p:spTree>
       <p:nvGrpSpPr>
         <p:cNvPr id="1" name=""/>
@@ -1236,13 +1194,7 @@
       </p:grpSpPr>
       <p:sp>
         <p:nvSpPr>
-          <p:cNvPr id="2" name="Title 1">
-            <a:extLst>
-              <a:ext uri="{FF2B5EF4-FFF2-40B4-BE49-F238E27FC236}">
-                <a16:creationId xmlns:a16="http://schemas.microsoft.com/office/drawing/2014/main" id="{F52E649F-8AF5-4128-A815-37C37D7B1DAC}"/>
-              </a:ext>
-            </a:extLst>
-          </p:cNvPr>
+          <p:cNvPr id="2" name="Title 1"/>
           <p:cNvSpPr>
             <a:spLocks noGrp="1"/>
           </p:cNvSpPr>
@@ -1256,22 +1208,16 @@
           <a:lstStyle/>
           <a:p>
             <a:r>
-              <a:rPr lang="en-US"/>
-              <a:t>Click to edit Master title style</a:t>
-            </a:r>
-            <a:endParaRPr lang="en-SE"/>
-          </a:p>
-        </p:txBody>
-      </p:sp>
-      <p:sp>
-        <p:nvSpPr>
-          <p:cNvPr id="3" name="Content Placeholder 2">
-            <a:extLst>
-              <a:ext uri="{FF2B5EF4-FFF2-40B4-BE49-F238E27FC236}">
-                <a16:creationId xmlns:a16="http://schemas.microsoft.com/office/drawing/2014/main" id="{DFD83516-1FE1-46C4-B2C6-E15A90C5F2F5}"/>
-              </a:ext>
-            </a:extLst>
-          </p:cNvPr>
+              <a:rPr lang="de-DE"/>
+              <a:t>Mastertitelformat bearbeiten</a:t>
+            </a:r>
+            <a:endParaRPr lang="en-US" dirty="0"/>
+          </a:p>
+        </p:txBody>
+      </p:sp>
+      <p:sp>
+        <p:nvSpPr>
+          <p:cNvPr id="3" name="Content Placeholder 2"/>
           <p:cNvSpPr>
             <a:spLocks noGrp="1"/>
           </p:cNvSpPr>
@@ -1281,60 +1227,82 @@
         </p:nvSpPr>
         <p:spPr>
           <a:xfrm>
-            <a:off x="838200" y="1825625"/>
-            <a:ext cx="5181600" cy="4351338"/>
+            <a:off x="676656" y="1998134"/>
+            <a:ext cx="4663440" cy="3767328"/>
           </a:xfrm>
         </p:spPr>
         <p:txBody>
           <a:bodyPr/>
-          <a:lstStyle/>
+          <a:lstStyle>
+            <a:lvl1pPr>
+              <a:defRPr sz="2400"/>
+            </a:lvl1pPr>
+            <a:lvl2pPr>
+              <a:defRPr sz="2000"/>
+            </a:lvl2pPr>
+            <a:lvl3pPr>
+              <a:defRPr sz="1800"/>
+            </a:lvl3pPr>
+            <a:lvl4pPr>
+              <a:defRPr sz="1600"/>
+            </a:lvl4pPr>
+            <a:lvl5pPr>
+              <a:defRPr sz="1600"/>
+            </a:lvl5pPr>
+            <a:lvl6pPr>
+              <a:defRPr sz="1600"/>
+            </a:lvl6pPr>
+            <a:lvl7pPr>
+              <a:defRPr sz="1600"/>
+            </a:lvl7pPr>
+            <a:lvl8pPr>
+              <a:defRPr sz="1600"/>
+            </a:lvl8pPr>
+            <a:lvl9pPr>
+              <a:defRPr sz="1600"/>
+            </a:lvl9pPr>
+          </a:lstStyle>
           <a:p>
             <a:pPr lvl="0"/>
             <a:r>
-              <a:rPr lang="en-US"/>
-              <a:t>Edit Master text styles</a:t>
+              <a:rPr lang="de-DE"/>
+              <a:t>Mastertextformat bearbeiten</a:t>
             </a:r>
           </a:p>
           <a:p>
             <a:pPr lvl="1"/>
             <a:r>
-              <a:rPr lang="en-US"/>
-              <a:t>Second level</a:t>
+              <a:rPr lang="de-DE"/>
+              <a:t>Zweite Ebene</a:t>
             </a:r>
           </a:p>
           <a:p>
             <a:pPr lvl="2"/>
             <a:r>
-              <a:rPr lang="en-US"/>
-              <a:t>Third level</a:t>
+              <a:rPr lang="de-DE"/>
+              <a:t>Dritte Ebene</a:t>
             </a:r>
           </a:p>
           <a:p>
             <a:pPr lvl="3"/>
             <a:r>
-              <a:rPr lang="en-US"/>
-              <a:t>Fourth level</a:t>
+              <a:rPr lang="de-DE"/>
+              <a:t>Vierte Ebene</a:t>
             </a:r>
           </a:p>
           <a:p>
             <a:pPr lvl="4"/>
             <a:r>
-              <a:rPr lang="en-US"/>
-              <a:t>Fifth level</a:t>
-            </a:r>
-            <a:endParaRPr lang="en-SE"/>
-          </a:p>
-        </p:txBody>
-      </p:sp>
-      <p:sp>
-        <p:nvSpPr>
-          <p:cNvPr id="4" name="Content Placeholder 3">
-            <a:extLst>
-              <a:ext uri="{FF2B5EF4-FFF2-40B4-BE49-F238E27FC236}">
-                <a16:creationId xmlns:a16="http://schemas.microsoft.com/office/drawing/2014/main" id="{62803BC9-134D-41EF-9AD0-9345648C7F7D}"/>
-              </a:ext>
-            </a:extLst>
-          </p:cNvPr>
+              <a:rPr lang="de-DE"/>
+              <a:t>Fünfte Ebene</a:t>
+            </a:r>
+            <a:endParaRPr lang="en-US" dirty="0"/>
+          </a:p>
+        </p:txBody>
+      </p:sp>
+      <p:sp>
+        <p:nvSpPr>
+          <p:cNvPr id="4" name="Content Placeholder 3"/>
           <p:cNvSpPr>
             <a:spLocks noGrp="1"/>
           </p:cNvSpPr>
@@ -1344,60 +1312,82 @@
         </p:nvSpPr>
         <p:spPr>
           <a:xfrm>
-            <a:off x="6172200" y="1825625"/>
-            <a:ext cx="5181600" cy="4351338"/>
+            <a:off x="6011330" y="1998134"/>
+            <a:ext cx="4663440" cy="3767328"/>
           </a:xfrm>
         </p:spPr>
         <p:txBody>
           <a:bodyPr/>
-          <a:lstStyle/>
+          <a:lstStyle>
+            <a:lvl1pPr>
+              <a:defRPr sz="2400"/>
+            </a:lvl1pPr>
+            <a:lvl2pPr>
+              <a:defRPr sz="2000"/>
+            </a:lvl2pPr>
+            <a:lvl3pPr>
+              <a:defRPr sz="1800"/>
+            </a:lvl3pPr>
+            <a:lvl4pPr>
+              <a:defRPr sz="1600"/>
+            </a:lvl4pPr>
+            <a:lvl5pPr>
+              <a:defRPr sz="1600"/>
+            </a:lvl5pPr>
+            <a:lvl6pPr>
+              <a:defRPr sz="1600"/>
+            </a:lvl6pPr>
+            <a:lvl7pPr>
+              <a:defRPr sz="1600"/>
+            </a:lvl7pPr>
+            <a:lvl8pPr>
+              <a:defRPr sz="1600"/>
+            </a:lvl8pPr>
+            <a:lvl9pPr>
+              <a:defRPr sz="1600"/>
+            </a:lvl9pPr>
+          </a:lstStyle>
           <a:p>
             <a:pPr lvl="0"/>
             <a:r>
-              <a:rPr lang="en-US"/>
-              <a:t>Edit Master text styles</a:t>
+              <a:rPr lang="de-DE"/>
+              <a:t>Mastertextformat bearbeiten</a:t>
             </a:r>
           </a:p>
           <a:p>
             <a:pPr lvl="1"/>
             <a:r>
-              <a:rPr lang="en-US"/>
-              <a:t>Second level</a:t>
+              <a:rPr lang="de-DE"/>
+              <a:t>Zweite Ebene</a:t>
             </a:r>
           </a:p>
           <a:p>
             <a:pPr lvl="2"/>
             <a:r>
-              <a:rPr lang="en-US"/>
-              <a:t>Third level</a:t>
+              <a:rPr lang="de-DE"/>
+              <a:t>Dritte Ebene</a:t>
             </a:r>
           </a:p>
           <a:p>
             <a:pPr lvl="3"/>
             <a:r>
-              <a:rPr lang="en-US"/>
-              <a:t>Fourth level</a:t>
+              <a:rPr lang="de-DE"/>
+              <a:t>Vierte Ebene</a:t>
             </a:r>
           </a:p>
           <a:p>
             <a:pPr lvl="4"/>
             <a:r>
-              <a:rPr lang="en-US"/>
-              <a:t>Fifth level</a:t>
-            </a:r>
-            <a:endParaRPr lang="en-SE"/>
-          </a:p>
-        </p:txBody>
-      </p:sp>
-      <p:sp>
-        <p:nvSpPr>
-          <p:cNvPr id="5" name="Date Placeholder 4">
-            <a:extLst>
-              <a:ext uri="{FF2B5EF4-FFF2-40B4-BE49-F238E27FC236}">
-                <a16:creationId xmlns:a16="http://schemas.microsoft.com/office/drawing/2014/main" id="{9AA591BB-5800-409C-B3EE-1A5EFFF715EC}"/>
-              </a:ext>
-            </a:extLst>
-          </p:cNvPr>
+              <a:rPr lang="de-DE"/>
+              <a:t>Fünfte Ebene</a:t>
+            </a:r>
+            <a:endParaRPr lang="en-US" dirty="0"/>
+          </a:p>
+        </p:txBody>
+      </p:sp>
+      <p:sp>
+        <p:nvSpPr>
+          <p:cNvPr id="5" name="Date Placeholder 4"/>
           <p:cNvSpPr>
             <a:spLocks noGrp="1"/>
           </p:cNvSpPr>
@@ -1412,7 +1402,7 @@
           <a:p>
             <a:fld id="{8E78446D-92C2-4ACE-B9DB-5401115AEB86}" type="datetimeFigureOut">
               <a:rPr lang="en-SE" smtClean="0"/>
-              <a:t>2018-01-09</a:t>
+              <a:t>01/10/2018</a:t>
             </a:fld>
             <a:endParaRPr lang="en-SE"/>
           </a:p>
@@ -1420,13 +1410,7 @@
       </p:sp>
       <p:sp>
         <p:nvSpPr>
-          <p:cNvPr id="6" name="Footer Placeholder 5">
-            <a:extLst>
-              <a:ext uri="{FF2B5EF4-FFF2-40B4-BE49-F238E27FC236}">
-                <a16:creationId xmlns:a16="http://schemas.microsoft.com/office/drawing/2014/main" id="{D0094077-C391-483E-A7F8-E9EA2EE7A9A7}"/>
-              </a:ext>
-            </a:extLst>
-          </p:cNvPr>
+          <p:cNvPr id="6" name="Footer Placeholder 5"/>
           <p:cNvSpPr>
             <a:spLocks noGrp="1"/>
           </p:cNvSpPr>
@@ -1445,13 +1429,7 @@
       </p:sp>
       <p:sp>
         <p:nvSpPr>
-          <p:cNvPr id="7" name="Slide Number Placeholder 6">
-            <a:extLst>
-              <a:ext uri="{FF2B5EF4-FFF2-40B4-BE49-F238E27FC236}">
-                <a16:creationId xmlns:a16="http://schemas.microsoft.com/office/drawing/2014/main" id="{6C620C2F-3DF7-4318-88A4-CD384AE7AB64}"/>
-              </a:ext>
-            </a:extLst>
-          </p:cNvPr>
+          <p:cNvPr id="7" name="Slide Number Placeholder 6"/>
           <p:cNvSpPr>
             <a:spLocks noGrp="1"/>
           </p:cNvSpPr>
@@ -1466,7 +1444,7 @@
           <a:p>
             <a:fld id="{58753DA5-AEF8-4CC7-ADDF-51D88B0AD829}" type="slidenum">
               <a:rPr lang="en-SE" smtClean="0"/>
-              <a:t>‹#›</a:t>
+              <a:t>‹Nr.›</a:t>
             </a:fld>
             <a:endParaRPr lang="en-SE"/>
           </a:p>
@@ -1475,7 +1453,7 @@
     </p:spTree>
     <p:extLst>
       <p:ext uri="{BB962C8B-B14F-4D97-AF65-F5344CB8AC3E}">
-        <p14:creationId xmlns:p14="http://schemas.microsoft.com/office/powerpoint/2010/main" val="1988902118"/>
+        <p14:creationId xmlns:p14="http://schemas.microsoft.com/office/powerpoint/2010/main" val="3599356623"/>
       </p:ext>
     </p:extLst>
   </p:cSld>
@@ -1487,7 +1465,7 @@
 
 <file path=ppt/slideLayouts/slideLayout5.xml><?xml version="1.0" encoding="utf-8"?>
 <p:sldLayout xmlns:a="http://schemas.openxmlformats.org/drawingml/2006/main" xmlns:r="http://schemas.openxmlformats.org/officeDocument/2006/relationships" xmlns:p="http://schemas.openxmlformats.org/presentationml/2006/main" type="twoTxTwoObj" preserve="1">
-  <p:cSld name="Comparison">
+  <p:cSld name="Vergleich">
     <p:spTree>
       <p:nvGrpSpPr>
         <p:cNvPr id="1" name=""/>
@@ -1504,66 +1482,59 @@
       </p:grpSpPr>
       <p:sp>
         <p:nvSpPr>
-          <p:cNvPr id="2" name="Title 1">
-            <a:extLst>
-              <a:ext uri="{FF2B5EF4-FFF2-40B4-BE49-F238E27FC236}">
-                <a16:creationId xmlns:a16="http://schemas.microsoft.com/office/drawing/2014/main" id="{A155458C-C7E1-4C9D-8A9E-ECC9EE93B40E}"/>
-              </a:ext>
-            </a:extLst>
-          </p:cNvPr>
+          <p:cNvPr id="10" name="Title 9"/>
           <p:cNvSpPr>
             <a:spLocks noGrp="1"/>
           </p:cNvSpPr>
           <p:nvPr>
             <p:ph type="title"/>
+          </p:nvPr>
+        </p:nvSpPr>
+        <p:spPr/>
+        <p:txBody>
+          <a:bodyPr/>
+          <a:lstStyle/>
+          <a:p>
+            <a:r>
+              <a:rPr lang="de-DE"/>
+              <a:t>Mastertitelformat bearbeiten</a:t>
+            </a:r>
+            <a:endParaRPr lang="en-US" dirty="0"/>
+          </a:p>
+        </p:txBody>
+      </p:sp>
+      <p:sp>
+        <p:nvSpPr>
+          <p:cNvPr id="3" name="Text Placeholder 2"/>
+          <p:cNvSpPr>
+            <a:spLocks noGrp="1"/>
+          </p:cNvSpPr>
+          <p:nvPr>
+            <p:ph type="body" idx="1"/>
           </p:nvPr>
         </p:nvSpPr>
         <p:spPr>
           <a:xfrm>
-            <a:off x="839788" y="365125"/>
-            <a:ext cx="10515600" cy="1325563"/>
+            <a:off x="676656" y="2040467"/>
+            <a:ext cx="4663440" cy="723400"/>
           </a:xfrm>
         </p:spPr>
         <p:txBody>
-          <a:bodyPr/>
-          <a:lstStyle/>
-          <a:p>
-            <a:r>
-              <a:rPr lang="en-US"/>
-              <a:t>Click to edit Master title style</a:t>
-            </a:r>
-            <a:endParaRPr lang="en-SE"/>
-          </a:p>
-        </p:txBody>
-      </p:sp>
-      <p:sp>
-        <p:nvSpPr>
-          <p:cNvPr id="3" name="Text Placeholder 2">
-            <a:extLst>
-              <a:ext uri="{FF2B5EF4-FFF2-40B4-BE49-F238E27FC236}">
-                <a16:creationId xmlns:a16="http://schemas.microsoft.com/office/drawing/2014/main" id="{6674E057-35ED-4642-9776-909271EB0AC6}"/>
-              </a:ext>
-            </a:extLst>
-          </p:cNvPr>
-          <p:cNvSpPr>
-            <a:spLocks noGrp="1"/>
-          </p:cNvSpPr>
-          <p:nvPr>
-            <p:ph type="body" idx="1"/>
-          </p:nvPr>
-        </p:nvSpPr>
-        <p:spPr>
-          <a:xfrm>
-            <a:off x="839788" y="1681163"/>
-            <a:ext cx="5157787" cy="823912"/>
-          </a:xfrm>
-        </p:spPr>
-        <p:txBody>
-          <a:bodyPr anchor="b"/>
+          <a:bodyPr anchor="ctr">
+            <a:normAutofit/>
+          </a:bodyPr>
           <a:lstStyle>
             <a:lvl1pPr marL="0" indent="0">
               <a:buNone/>
-              <a:defRPr sz="2400" b="1"/>
+              <a:defRPr sz="2200" b="0" cap="all" baseline="0">
+                <a:solidFill>
+                  <a:schemeClr val="tx1">
+                    <a:lumMod val="85000"/>
+                    <a:lumOff val="15000"/>
+                  </a:schemeClr>
+                </a:solidFill>
+                <a:latin typeface="+mj-lt"/>
+              </a:defRPr>
             </a:lvl1pPr>
             <a:lvl2pPr marL="457200" indent="0">
               <a:buNone/>
@@ -1601,21 +1572,15 @@
           <a:p>
             <a:pPr lvl="0"/>
             <a:r>
-              <a:rPr lang="en-US"/>
-              <a:t>Edit Master text styles</a:t>
-            </a:r>
-          </a:p>
-        </p:txBody>
-      </p:sp>
-      <p:sp>
-        <p:nvSpPr>
-          <p:cNvPr id="4" name="Content Placeholder 3">
-            <a:extLst>
-              <a:ext uri="{FF2B5EF4-FFF2-40B4-BE49-F238E27FC236}">
-                <a16:creationId xmlns:a16="http://schemas.microsoft.com/office/drawing/2014/main" id="{DE2991AF-E5B2-451C-BD4F-FA2643BEED90}"/>
-              </a:ext>
-            </a:extLst>
-          </p:cNvPr>
+              <a:rPr lang="de-DE"/>
+              <a:t>Mastertextformat bearbeiten</a:t>
+            </a:r>
+          </a:p>
+        </p:txBody>
+      </p:sp>
+      <p:sp>
+        <p:nvSpPr>
+          <p:cNvPr id="4" name="Content Placeholder 3"/>
           <p:cNvSpPr>
             <a:spLocks noGrp="1"/>
           </p:cNvSpPr>
@@ -1625,60 +1590,82 @@
         </p:nvSpPr>
         <p:spPr>
           <a:xfrm>
-            <a:off x="839788" y="2505075"/>
-            <a:ext cx="5157787" cy="3684588"/>
+            <a:off x="676656" y="2753084"/>
+            <a:ext cx="4663440" cy="3200400"/>
           </a:xfrm>
         </p:spPr>
         <p:txBody>
           <a:bodyPr/>
-          <a:lstStyle/>
+          <a:lstStyle>
+            <a:lvl1pPr>
+              <a:defRPr sz="2400"/>
+            </a:lvl1pPr>
+            <a:lvl2pPr>
+              <a:defRPr sz="2000"/>
+            </a:lvl2pPr>
+            <a:lvl3pPr>
+              <a:defRPr sz="1800"/>
+            </a:lvl3pPr>
+            <a:lvl4pPr>
+              <a:defRPr sz="1600"/>
+            </a:lvl4pPr>
+            <a:lvl5pPr>
+              <a:defRPr sz="1600"/>
+            </a:lvl5pPr>
+            <a:lvl6pPr>
+              <a:defRPr sz="1600"/>
+            </a:lvl6pPr>
+            <a:lvl7pPr>
+              <a:defRPr sz="1600"/>
+            </a:lvl7pPr>
+            <a:lvl8pPr>
+              <a:defRPr sz="1600"/>
+            </a:lvl8pPr>
+            <a:lvl9pPr>
+              <a:defRPr sz="1600"/>
+            </a:lvl9pPr>
+          </a:lstStyle>
           <a:p>
             <a:pPr lvl="0"/>
             <a:r>
-              <a:rPr lang="en-US"/>
-              <a:t>Edit Master text styles</a:t>
+              <a:rPr lang="de-DE"/>
+              <a:t>Mastertextformat bearbeiten</a:t>
             </a:r>
           </a:p>
           <a:p>
             <a:pPr lvl="1"/>
             <a:r>
-              <a:rPr lang="en-US"/>
-              <a:t>Second level</a:t>
+              <a:rPr lang="de-DE"/>
+              <a:t>Zweite Ebene</a:t>
             </a:r>
           </a:p>
           <a:p>
             <a:pPr lvl="2"/>
             <a:r>
-              <a:rPr lang="en-US"/>
-              <a:t>Third level</a:t>
+              <a:rPr lang="de-DE"/>
+              <a:t>Dritte Ebene</a:t>
             </a:r>
           </a:p>
           <a:p>
             <a:pPr lvl="3"/>
             <a:r>
-              <a:rPr lang="en-US"/>
-              <a:t>Fourth level</a:t>
+              <a:rPr lang="de-DE"/>
+              <a:t>Vierte Ebene</a:t>
             </a:r>
           </a:p>
           <a:p>
             <a:pPr lvl="4"/>
             <a:r>
-              <a:rPr lang="en-US"/>
-              <a:t>Fifth level</a:t>
-            </a:r>
-            <a:endParaRPr lang="en-SE"/>
-          </a:p>
-        </p:txBody>
-      </p:sp>
-      <p:sp>
-        <p:nvSpPr>
-          <p:cNvPr id="5" name="Text Placeholder 4">
-            <a:extLst>
-              <a:ext uri="{FF2B5EF4-FFF2-40B4-BE49-F238E27FC236}">
-                <a16:creationId xmlns:a16="http://schemas.microsoft.com/office/drawing/2014/main" id="{C7807D35-BC26-4BB9-B8FB-7B97EB607DED}"/>
-              </a:ext>
-            </a:extLst>
-          </p:cNvPr>
+              <a:rPr lang="de-DE"/>
+              <a:t>Fünfte Ebene</a:t>
+            </a:r>
+            <a:endParaRPr lang="en-US" dirty="0"/>
+          </a:p>
+        </p:txBody>
+      </p:sp>
+      <p:sp>
+        <p:nvSpPr>
+          <p:cNvPr id="5" name="Text Placeholder 4"/>
           <p:cNvSpPr>
             <a:spLocks noGrp="1"/>
           </p:cNvSpPr>
@@ -1688,16 +1675,26 @@
         </p:nvSpPr>
         <p:spPr>
           <a:xfrm>
-            <a:off x="6172200" y="1681163"/>
-            <a:ext cx="5183188" cy="823912"/>
+            <a:off x="6007608" y="2038435"/>
+            <a:ext cx="4663440" cy="722376"/>
           </a:xfrm>
         </p:spPr>
         <p:txBody>
-          <a:bodyPr anchor="b"/>
+          <a:bodyPr anchor="ctr">
+            <a:normAutofit/>
+          </a:bodyPr>
           <a:lstStyle>
             <a:lvl1pPr marL="0" indent="0">
               <a:buNone/>
-              <a:defRPr sz="2400" b="1"/>
+              <a:defRPr sz="2200" b="0" cap="all" baseline="0">
+                <a:solidFill>
+                  <a:schemeClr val="tx1">
+                    <a:lumMod val="85000"/>
+                    <a:lumOff val="15000"/>
+                  </a:schemeClr>
+                </a:solidFill>
+                <a:latin typeface="+mj-lt"/>
+              </a:defRPr>
             </a:lvl1pPr>
             <a:lvl2pPr marL="457200" indent="0">
               <a:buNone/>
@@ -1735,21 +1732,15 @@
           <a:p>
             <a:pPr lvl="0"/>
             <a:r>
-              <a:rPr lang="en-US"/>
-              <a:t>Edit Master text styles</a:t>
-            </a:r>
-          </a:p>
-        </p:txBody>
-      </p:sp>
-      <p:sp>
-        <p:nvSpPr>
-          <p:cNvPr id="6" name="Content Placeholder 5">
-            <a:extLst>
-              <a:ext uri="{FF2B5EF4-FFF2-40B4-BE49-F238E27FC236}">
-                <a16:creationId xmlns:a16="http://schemas.microsoft.com/office/drawing/2014/main" id="{2FD1055E-3212-4580-B0B7-47DE146A8214}"/>
-              </a:ext>
-            </a:extLst>
-          </p:cNvPr>
+              <a:rPr lang="de-DE"/>
+              <a:t>Mastertextformat bearbeiten</a:t>
+            </a:r>
+          </a:p>
+        </p:txBody>
+      </p:sp>
+      <p:sp>
+        <p:nvSpPr>
+          <p:cNvPr id="6" name="Content Placeholder 5"/>
           <p:cNvSpPr>
             <a:spLocks noGrp="1"/>
           </p:cNvSpPr>
@@ -1759,60 +1750,82 @@
         </p:nvSpPr>
         <p:spPr>
           <a:xfrm>
-            <a:off x="6172200" y="2505075"/>
-            <a:ext cx="5183188" cy="3684588"/>
+            <a:off x="6007608" y="2750990"/>
+            <a:ext cx="4663440" cy="3200400"/>
           </a:xfrm>
         </p:spPr>
         <p:txBody>
           <a:bodyPr/>
-          <a:lstStyle/>
+          <a:lstStyle>
+            <a:lvl1pPr>
+              <a:defRPr sz="2400"/>
+            </a:lvl1pPr>
+            <a:lvl2pPr>
+              <a:defRPr sz="2000"/>
+            </a:lvl2pPr>
+            <a:lvl3pPr>
+              <a:defRPr sz="1800"/>
+            </a:lvl3pPr>
+            <a:lvl4pPr>
+              <a:defRPr sz="1600"/>
+            </a:lvl4pPr>
+            <a:lvl5pPr>
+              <a:defRPr sz="1600"/>
+            </a:lvl5pPr>
+            <a:lvl6pPr>
+              <a:defRPr sz="1600"/>
+            </a:lvl6pPr>
+            <a:lvl7pPr>
+              <a:defRPr sz="1600"/>
+            </a:lvl7pPr>
+            <a:lvl8pPr>
+              <a:defRPr sz="1600"/>
+            </a:lvl8pPr>
+            <a:lvl9pPr>
+              <a:defRPr sz="1600"/>
+            </a:lvl9pPr>
+          </a:lstStyle>
           <a:p>
             <a:pPr lvl="0"/>
             <a:r>
-              <a:rPr lang="en-US"/>
-              <a:t>Edit Master text styles</a:t>
+              <a:rPr lang="de-DE"/>
+              <a:t>Mastertextformat bearbeiten</a:t>
             </a:r>
           </a:p>
           <a:p>
             <a:pPr lvl="1"/>
             <a:r>
-              <a:rPr lang="en-US"/>
-              <a:t>Second level</a:t>
+              <a:rPr lang="de-DE"/>
+              <a:t>Zweite Ebene</a:t>
             </a:r>
           </a:p>
           <a:p>
             <a:pPr lvl="2"/>
             <a:r>
-              <a:rPr lang="en-US"/>
-              <a:t>Third level</a:t>
+              <a:rPr lang="de-DE"/>
+              <a:t>Dritte Ebene</a:t>
             </a:r>
           </a:p>
           <a:p>
             <a:pPr lvl="3"/>
             <a:r>
-              <a:rPr lang="en-US"/>
-              <a:t>Fourth level</a:t>
+              <a:rPr lang="de-DE"/>
+              <a:t>Vierte Ebene</a:t>
             </a:r>
           </a:p>
           <a:p>
             <a:pPr lvl="4"/>
             <a:r>
-              <a:rPr lang="en-US"/>
-              <a:t>Fifth level</a:t>
-            </a:r>
-            <a:endParaRPr lang="en-SE"/>
-          </a:p>
-        </p:txBody>
-      </p:sp>
-      <p:sp>
-        <p:nvSpPr>
-          <p:cNvPr id="7" name="Date Placeholder 6">
-            <a:extLst>
-              <a:ext uri="{FF2B5EF4-FFF2-40B4-BE49-F238E27FC236}">
-                <a16:creationId xmlns:a16="http://schemas.microsoft.com/office/drawing/2014/main" id="{75788949-D35E-4514-806F-0DB7A890E7C3}"/>
-              </a:ext>
-            </a:extLst>
-          </p:cNvPr>
+              <a:rPr lang="de-DE"/>
+              <a:t>Fünfte Ebene</a:t>
+            </a:r>
+            <a:endParaRPr lang="en-US" dirty="0"/>
+          </a:p>
+        </p:txBody>
+      </p:sp>
+      <p:sp>
+        <p:nvSpPr>
+          <p:cNvPr id="7" name="Date Placeholder 6"/>
           <p:cNvSpPr>
             <a:spLocks noGrp="1"/>
           </p:cNvSpPr>
@@ -1827,7 +1840,7 @@
           <a:p>
             <a:fld id="{8E78446D-92C2-4ACE-B9DB-5401115AEB86}" type="datetimeFigureOut">
               <a:rPr lang="en-SE" smtClean="0"/>
-              <a:t>2018-01-09</a:t>
+              <a:t>01/10/2018</a:t>
             </a:fld>
             <a:endParaRPr lang="en-SE"/>
           </a:p>
@@ -1835,13 +1848,7 @@
       </p:sp>
       <p:sp>
         <p:nvSpPr>
-          <p:cNvPr id="8" name="Footer Placeholder 7">
-            <a:extLst>
-              <a:ext uri="{FF2B5EF4-FFF2-40B4-BE49-F238E27FC236}">
-                <a16:creationId xmlns:a16="http://schemas.microsoft.com/office/drawing/2014/main" id="{E15B2C72-333F-4115-8812-AB05492D3C3B}"/>
-              </a:ext>
-            </a:extLst>
-          </p:cNvPr>
+          <p:cNvPr id="8" name="Footer Placeholder 7"/>
           <p:cNvSpPr>
             <a:spLocks noGrp="1"/>
           </p:cNvSpPr>
@@ -1860,13 +1867,7 @@
       </p:sp>
       <p:sp>
         <p:nvSpPr>
-          <p:cNvPr id="9" name="Slide Number Placeholder 8">
-            <a:extLst>
-              <a:ext uri="{FF2B5EF4-FFF2-40B4-BE49-F238E27FC236}">
-                <a16:creationId xmlns:a16="http://schemas.microsoft.com/office/drawing/2014/main" id="{46FAF36D-7E44-420B-ADCF-91F6C6A0EAFC}"/>
-              </a:ext>
-            </a:extLst>
-          </p:cNvPr>
+          <p:cNvPr id="9" name="Slide Number Placeholder 8"/>
           <p:cNvSpPr>
             <a:spLocks noGrp="1"/>
           </p:cNvSpPr>
@@ -1881,7 +1882,7 @@
           <a:p>
             <a:fld id="{58753DA5-AEF8-4CC7-ADDF-51D88B0AD829}" type="slidenum">
               <a:rPr lang="en-SE" smtClean="0"/>
-              <a:t>‹#›</a:t>
+              <a:t>‹Nr.›</a:t>
             </a:fld>
             <a:endParaRPr lang="en-SE"/>
           </a:p>
@@ -1890,7 +1891,7 @@
     </p:spTree>
     <p:extLst>
       <p:ext uri="{BB962C8B-B14F-4D97-AF65-F5344CB8AC3E}">
-        <p14:creationId xmlns:p14="http://schemas.microsoft.com/office/powerpoint/2010/main" val="792062693"/>
+        <p14:creationId xmlns:p14="http://schemas.microsoft.com/office/powerpoint/2010/main" val="2133743541"/>
       </p:ext>
     </p:extLst>
   </p:cSld>
@@ -1902,7 +1903,7 @@
 
 <file path=ppt/slideLayouts/slideLayout6.xml><?xml version="1.0" encoding="utf-8"?>
 <p:sldLayout xmlns:a="http://schemas.openxmlformats.org/drawingml/2006/main" xmlns:r="http://schemas.openxmlformats.org/officeDocument/2006/relationships" xmlns:p="http://schemas.openxmlformats.org/presentationml/2006/main" type="titleOnly" preserve="1">
-  <p:cSld name="Title Only">
+  <p:cSld name="Nur Titel">
     <p:spTree>
       <p:nvGrpSpPr>
         <p:cNvPr id="1" name=""/>
@@ -1919,13 +1920,7 @@
       </p:grpSpPr>
       <p:sp>
         <p:nvSpPr>
-          <p:cNvPr id="2" name="Title 1">
-            <a:extLst>
-              <a:ext uri="{FF2B5EF4-FFF2-40B4-BE49-F238E27FC236}">
-                <a16:creationId xmlns:a16="http://schemas.microsoft.com/office/drawing/2014/main" id="{EE13BFD4-165A-43AC-9FDA-4A6DEE71A017}"/>
-              </a:ext>
-            </a:extLst>
-          </p:cNvPr>
+          <p:cNvPr id="6" name="Title 5"/>
           <p:cNvSpPr>
             <a:spLocks noGrp="1"/>
           </p:cNvSpPr>
@@ -1939,22 +1934,16 @@
           <a:lstStyle/>
           <a:p>
             <a:r>
-              <a:rPr lang="en-US"/>
-              <a:t>Click to edit Master title style</a:t>
-            </a:r>
-            <a:endParaRPr lang="en-SE"/>
-          </a:p>
-        </p:txBody>
-      </p:sp>
-      <p:sp>
-        <p:nvSpPr>
-          <p:cNvPr id="3" name="Date Placeholder 2">
-            <a:extLst>
-              <a:ext uri="{FF2B5EF4-FFF2-40B4-BE49-F238E27FC236}">
-                <a16:creationId xmlns:a16="http://schemas.microsoft.com/office/drawing/2014/main" id="{82015124-B9A2-48F0-A5FC-3530F9DBE486}"/>
-              </a:ext>
-            </a:extLst>
-          </p:cNvPr>
+              <a:rPr lang="de-DE"/>
+              <a:t>Mastertitelformat bearbeiten</a:t>
+            </a:r>
+            <a:endParaRPr lang="en-US" dirty="0"/>
+          </a:p>
+        </p:txBody>
+      </p:sp>
+      <p:sp>
+        <p:nvSpPr>
+          <p:cNvPr id="3" name="Date Placeholder 2"/>
           <p:cNvSpPr>
             <a:spLocks noGrp="1"/>
           </p:cNvSpPr>
@@ -1969,7 +1958,7 @@
           <a:p>
             <a:fld id="{8E78446D-92C2-4ACE-B9DB-5401115AEB86}" type="datetimeFigureOut">
               <a:rPr lang="en-SE" smtClean="0"/>
-              <a:t>2018-01-09</a:t>
+              <a:t>01/10/2018</a:t>
             </a:fld>
             <a:endParaRPr lang="en-SE"/>
           </a:p>
@@ -1977,13 +1966,7 @@
       </p:sp>
       <p:sp>
         <p:nvSpPr>
-          <p:cNvPr id="4" name="Footer Placeholder 3">
-            <a:extLst>
-              <a:ext uri="{FF2B5EF4-FFF2-40B4-BE49-F238E27FC236}">
-                <a16:creationId xmlns:a16="http://schemas.microsoft.com/office/drawing/2014/main" id="{39DCD7E3-A53A-44E9-9B7D-4A2D511B7CC6}"/>
-              </a:ext>
-            </a:extLst>
-          </p:cNvPr>
+          <p:cNvPr id="4" name="Footer Placeholder 3"/>
           <p:cNvSpPr>
             <a:spLocks noGrp="1"/>
           </p:cNvSpPr>
@@ -2002,13 +1985,7 @@
       </p:sp>
       <p:sp>
         <p:nvSpPr>
-          <p:cNvPr id="5" name="Slide Number Placeholder 4">
-            <a:extLst>
-              <a:ext uri="{FF2B5EF4-FFF2-40B4-BE49-F238E27FC236}">
-                <a16:creationId xmlns:a16="http://schemas.microsoft.com/office/drawing/2014/main" id="{33286E77-18FE-4FCD-A2B3-F54D4EF37343}"/>
-              </a:ext>
-            </a:extLst>
-          </p:cNvPr>
+          <p:cNvPr id="5" name="Slide Number Placeholder 4"/>
           <p:cNvSpPr>
             <a:spLocks noGrp="1"/>
           </p:cNvSpPr>
@@ -2023,7 +2000,7 @@
           <a:p>
             <a:fld id="{58753DA5-AEF8-4CC7-ADDF-51D88B0AD829}" type="slidenum">
               <a:rPr lang="en-SE" smtClean="0"/>
-              <a:t>‹#›</a:t>
+              <a:t>‹Nr.›</a:t>
             </a:fld>
             <a:endParaRPr lang="en-SE"/>
           </a:p>
@@ -2032,7 +2009,7 @@
     </p:spTree>
     <p:extLst>
       <p:ext uri="{BB962C8B-B14F-4D97-AF65-F5344CB8AC3E}">
-        <p14:creationId xmlns:p14="http://schemas.microsoft.com/office/powerpoint/2010/main" val="1547263777"/>
+        <p14:creationId xmlns:p14="http://schemas.microsoft.com/office/powerpoint/2010/main" val="4283790344"/>
       </p:ext>
     </p:extLst>
   </p:cSld>
@@ -2044,7 +2021,7 @@
 
 <file path=ppt/slideLayouts/slideLayout7.xml><?xml version="1.0" encoding="utf-8"?>
 <p:sldLayout xmlns:a="http://schemas.openxmlformats.org/drawingml/2006/main" xmlns:r="http://schemas.openxmlformats.org/officeDocument/2006/relationships" xmlns:p="http://schemas.openxmlformats.org/presentationml/2006/main" type="blank" preserve="1">
-  <p:cSld name="Blank">
+  <p:cSld name="Leer">
     <p:spTree>
       <p:nvGrpSpPr>
         <p:cNvPr id="1" name=""/>
@@ -2061,13 +2038,7 @@
       </p:grpSpPr>
       <p:sp>
         <p:nvSpPr>
-          <p:cNvPr id="2" name="Date Placeholder 1">
-            <a:extLst>
-              <a:ext uri="{FF2B5EF4-FFF2-40B4-BE49-F238E27FC236}">
-                <a16:creationId xmlns:a16="http://schemas.microsoft.com/office/drawing/2014/main" id="{7F82726C-B45B-4A8E-B886-A3F6C298B279}"/>
-              </a:ext>
-            </a:extLst>
-          </p:cNvPr>
+          <p:cNvPr id="2" name="Date Placeholder 1"/>
           <p:cNvSpPr>
             <a:spLocks noGrp="1"/>
           </p:cNvSpPr>
@@ -2082,7 +2053,7 @@
           <a:p>
             <a:fld id="{8E78446D-92C2-4ACE-B9DB-5401115AEB86}" type="datetimeFigureOut">
               <a:rPr lang="en-SE" smtClean="0"/>
-              <a:t>2018-01-09</a:t>
+              <a:t>01/10/2018</a:t>
             </a:fld>
             <a:endParaRPr lang="en-SE"/>
           </a:p>
@@ -2090,13 +2061,7 @@
       </p:sp>
       <p:sp>
         <p:nvSpPr>
-          <p:cNvPr id="3" name="Footer Placeholder 2">
-            <a:extLst>
-              <a:ext uri="{FF2B5EF4-FFF2-40B4-BE49-F238E27FC236}">
-                <a16:creationId xmlns:a16="http://schemas.microsoft.com/office/drawing/2014/main" id="{731A2CE1-0E2A-49D8-A472-77343EA02253}"/>
-              </a:ext>
-            </a:extLst>
-          </p:cNvPr>
+          <p:cNvPr id="3" name="Footer Placeholder 2"/>
           <p:cNvSpPr>
             <a:spLocks noGrp="1"/>
           </p:cNvSpPr>
@@ -2115,13 +2080,7 @@
       </p:sp>
       <p:sp>
         <p:nvSpPr>
-          <p:cNvPr id="4" name="Slide Number Placeholder 3">
-            <a:extLst>
-              <a:ext uri="{FF2B5EF4-FFF2-40B4-BE49-F238E27FC236}">
-                <a16:creationId xmlns:a16="http://schemas.microsoft.com/office/drawing/2014/main" id="{94B8D4D9-6498-4E8A-B2C1-875E36020592}"/>
-              </a:ext>
-            </a:extLst>
-          </p:cNvPr>
+          <p:cNvPr id="4" name="Slide Number Placeholder 3"/>
           <p:cNvSpPr>
             <a:spLocks noGrp="1"/>
           </p:cNvSpPr>
@@ -2136,7 +2095,7 @@
           <a:p>
             <a:fld id="{58753DA5-AEF8-4CC7-ADDF-51D88B0AD829}" type="slidenum">
               <a:rPr lang="en-SE" smtClean="0"/>
-              <a:t>‹#›</a:t>
+              <a:t>‹Nr.›</a:t>
             </a:fld>
             <a:endParaRPr lang="en-SE"/>
           </a:p>
@@ -2145,7 +2104,7 @@
     </p:spTree>
     <p:extLst>
       <p:ext uri="{BB962C8B-B14F-4D97-AF65-F5344CB8AC3E}">
-        <p14:creationId xmlns:p14="http://schemas.microsoft.com/office/powerpoint/2010/main" val="1399995566"/>
+        <p14:creationId xmlns:p14="http://schemas.microsoft.com/office/powerpoint/2010/main" val="3838639643"/>
       </p:ext>
     </p:extLst>
   </p:cSld>
@@ -2157,7 +2116,7 @@
 
 <file path=ppt/slideLayouts/slideLayout8.xml><?xml version="1.0" encoding="utf-8"?>
 <p:sldLayout xmlns:a="http://schemas.openxmlformats.org/drawingml/2006/main" xmlns:r="http://schemas.openxmlformats.org/officeDocument/2006/relationships" xmlns:p="http://schemas.openxmlformats.org/presentationml/2006/main" type="objTx" preserve="1">
-  <p:cSld name="Content with Caption">
+  <p:cSld name="Inhalt mit Überschrift">
     <p:spTree>
       <p:nvGrpSpPr>
         <p:cNvPr id="1" name=""/>
@@ -2174,51 +2133,83 @@
       </p:grpSpPr>
       <p:sp>
         <p:nvSpPr>
-          <p:cNvPr id="2" name="Title 1">
-            <a:extLst>
-              <a:ext uri="{FF2B5EF4-FFF2-40B4-BE49-F238E27FC236}">
-                <a16:creationId xmlns:a16="http://schemas.microsoft.com/office/drawing/2014/main" id="{F74C2D57-E09F-49E5-88B1-6F9DA4DA367B}"/>
-              </a:ext>
-            </a:extLst>
-          </p:cNvPr>
-          <p:cNvSpPr>
-            <a:spLocks noGrp="1"/>
-          </p:cNvSpPr>
-          <p:nvPr>
-            <p:ph type="title"/>
-          </p:nvPr>
+          <p:cNvPr id="2" name="Rectangle 1"/>
+          <p:cNvSpPr/>
+          <p:nvPr/>
         </p:nvSpPr>
         <p:spPr>
           <a:xfrm>
-            <a:off x="839788" y="457200"/>
-            <a:ext cx="3932237" cy="1600200"/>
+            <a:off x="7620000" y="0"/>
+            <a:ext cx="4572000" cy="6858000"/>
+          </a:xfrm>
+          <a:prstGeom prst="rect">
+            <a:avLst/>
+          </a:prstGeom>
+          <a:ln>
+            <a:noFill/>
+          </a:ln>
+        </p:spPr>
+        <p:style>
+          <a:lnRef idx="2">
+            <a:schemeClr val="accent1">
+              <a:shade val="50000"/>
+            </a:schemeClr>
+          </a:lnRef>
+          <a:fillRef idx="1">
+            <a:schemeClr val="accent1"/>
+          </a:fillRef>
+          <a:effectRef idx="0">
+            <a:schemeClr val="accent1"/>
+          </a:effectRef>
+          <a:fontRef idx="minor">
+            <a:schemeClr val="lt1"/>
+          </a:fontRef>
+        </p:style>
+      </p:sp>
+      <p:sp>
+        <p:nvSpPr>
+          <p:cNvPr id="9" name="Title 8"/>
+          <p:cNvSpPr>
+            <a:spLocks noGrp="1"/>
+          </p:cNvSpPr>
+          <p:nvPr>
+            <p:ph type="title"/>
+          </p:nvPr>
+        </p:nvSpPr>
+        <p:spPr>
+          <a:xfrm>
+            <a:off x="8261404" y="542282"/>
+            <a:ext cx="3383280" cy="1920240"/>
           </a:xfrm>
         </p:spPr>
         <p:txBody>
-          <a:bodyPr anchor="b"/>
+          <a:bodyPr anchor="b">
+            <a:noAutofit/>
+          </a:bodyPr>
           <a:lstStyle>
             <a:lvl1pPr>
-              <a:defRPr sz="3200"/>
+              <a:lnSpc>
+                <a:spcPct val="85000"/>
+              </a:lnSpc>
+              <a:defRPr sz="4000">
+                <a:solidFill>
+                  <a:srgbClr val="FFFFFF"/>
+                </a:solidFill>
+              </a:defRPr>
             </a:lvl1pPr>
           </a:lstStyle>
           <a:p>
             <a:r>
-              <a:rPr lang="en-US"/>
-              <a:t>Click to edit Master title style</a:t>
-            </a:r>
-            <a:endParaRPr lang="en-SE"/>
-          </a:p>
-        </p:txBody>
-      </p:sp>
-      <p:sp>
-        <p:nvSpPr>
-          <p:cNvPr id="3" name="Content Placeholder 2">
-            <a:extLst>
-              <a:ext uri="{FF2B5EF4-FFF2-40B4-BE49-F238E27FC236}">
-                <a16:creationId xmlns:a16="http://schemas.microsoft.com/office/drawing/2014/main" id="{76EAA7DB-B5B6-4C52-BBF2-7F57E11559D5}"/>
-              </a:ext>
-            </a:extLst>
-          </p:cNvPr>
+              <a:rPr lang="de-DE"/>
+              <a:t>Mastertitelformat bearbeiten</a:t>
+            </a:r>
+            <a:endParaRPr lang="en-US" dirty="0"/>
+          </a:p>
+        </p:txBody>
+      </p:sp>
+      <p:sp>
+        <p:nvSpPr>
+          <p:cNvPr id="3" name="Content Placeholder 2"/>
           <p:cNvSpPr>
             <a:spLocks noGrp="1"/>
           </p:cNvSpPr>
@@ -2228,8 +2219,8 @@
         </p:nvSpPr>
         <p:spPr>
           <a:xfrm>
-            <a:off x="5183188" y="987425"/>
-            <a:ext cx="6172200" cy="4873625"/>
+            <a:off x="762000" y="762000"/>
+            <a:ext cx="6096000" cy="4572000"/>
           </a:xfrm>
         </p:spPr>
         <p:txBody>
@@ -2266,50 +2257,44 @@
           <a:p>
             <a:pPr lvl="0"/>
             <a:r>
-              <a:rPr lang="en-US"/>
-              <a:t>Edit Master text styles</a:t>
+              <a:rPr lang="de-DE"/>
+              <a:t>Mastertextformat bearbeiten</a:t>
             </a:r>
           </a:p>
           <a:p>
             <a:pPr lvl="1"/>
             <a:r>
-              <a:rPr lang="en-US"/>
-              <a:t>Second level</a:t>
+              <a:rPr lang="de-DE"/>
+              <a:t>Zweite Ebene</a:t>
             </a:r>
           </a:p>
           <a:p>
             <a:pPr lvl="2"/>
             <a:r>
-              <a:rPr lang="en-US"/>
-              <a:t>Third level</a:t>
+              <a:rPr lang="de-DE"/>
+              <a:t>Dritte Ebene</a:t>
             </a:r>
           </a:p>
           <a:p>
             <a:pPr lvl="3"/>
             <a:r>
-              <a:rPr lang="en-US"/>
-              <a:t>Fourth level</a:t>
+              <a:rPr lang="de-DE"/>
+              <a:t>Vierte Ebene</a:t>
             </a:r>
           </a:p>
           <a:p>
             <a:pPr lvl="4"/>
             <a:r>
-              <a:rPr lang="en-US"/>
-              <a:t>Fifth level</a:t>
-            </a:r>
-            <a:endParaRPr lang="en-SE"/>
-          </a:p>
-        </p:txBody>
-      </p:sp>
-      <p:sp>
-        <p:nvSpPr>
-          <p:cNvPr id="4" name="Text Placeholder 3">
-            <a:extLst>
-              <a:ext uri="{FF2B5EF4-FFF2-40B4-BE49-F238E27FC236}">
-                <a16:creationId xmlns:a16="http://schemas.microsoft.com/office/drawing/2014/main" id="{628D01CC-B269-4B3D-98B3-253BD812FDA5}"/>
-              </a:ext>
-            </a:extLst>
-          </p:cNvPr>
+              <a:rPr lang="de-DE"/>
+              <a:t>Fünfte Ebene</a:t>
+            </a:r>
+            <a:endParaRPr lang="en-US" dirty="0"/>
+          </a:p>
+        </p:txBody>
+      </p:sp>
+      <p:sp>
+        <p:nvSpPr>
+          <p:cNvPr id="4" name="Text Placeholder 3"/>
           <p:cNvSpPr>
             <a:spLocks noGrp="1"/>
           </p:cNvSpPr>
@@ -2319,68 +2304,97 @@
         </p:nvSpPr>
         <p:spPr>
           <a:xfrm>
-            <a:off x="839788" y="2057400"/>
-            <a:ext cx="3932237" cy="3811588"/>
+            <a:off x="8275982" y="2511813"/>
+            <a:ext cx="3398520" cy="3126987"/>
           </a:xfrm>
         </p:spPr>
         <p:txBody>
-          <a:bodyPr/>
+          <a:bodyPr>
+            <a:normAutofit/>
+          </a:bodyPr>
           <a:lstStyle>
-            <a:lvl1pPr marL="0" indent="0">
-              <a:buNone/>
-              <a:defRPr sz="1600"/>
+            <a:lvl1pPr marL="0" marR="0" indent="0" algn="l" defTabSz="914400" rtl="0" eaLnBrk="1" fontAlgn="auto" latinLnBrk="0" hangingPunct="1">
+              <a:lnSpc>
+                <a:spcPct val="100000"/>
+              </a:lnSpc>
+              <a:spcBef>
+                <a:spcPts val="1200"/>
+              </a:spcBef>
+              <a:spcAft>
+                <a:spcPts val="0"/>
+              </a:spcAft>
+              <a:buClrTx/>
+              <a:buSzTx/>
+              <a:buFontTx/>
+              <a:buNone/>
+              <a:tabLst/>
+              <a:defRPr sz="1800">
+                <a:solidFill>
+                  <a:srgbClr val="262626"/>
+                </a:solidFill>
+              </a:defRPr>
             </a:lvl1pPr>
             <a:lvl2pPr marL="457200" indent="0">
               <a:buNone/>
-              <a:defRPr sz="1400"/>
+              <a:defRPr sz="1200"/>
             </a:lvl2pPr>
             <a:lvl3pPr marL="914400" indent="0">
               <a:buNone/>
-              <a:defRPr sz="1200"/>
+              <a:defRPr sz="1000"/>
             </a:lvl3pPr>
             <a:lvl4pPr marL="1371600" indent="0">
               <a:buNone/>
-              <a:defRPr sz="1000"/>
+              <a:defRPr sz="900"/>
             </a:lvl4pPr>
             <a:lvl5pPr marL="1828800" indent="0">
               <a:buNone/>
-              <a:defRPr sz="1000"/>
+              <a:defRPr sz="900"/>
             </a:lvl5pPr>
             <a:lvl6pPr marL="2286000" indent="0">
               <a:buNone/>
-              <a:defRPr sz="1000"/>
+              <a:defRPr sz="900"/>
             </a:lvl6pPr>
             <a:lvl7pPr marL="2743200" indent="0">
               <a:buNone/>
-              <a:defRPr sz="1000"/>
+              <a:defRPr sz="900"/>
             </a:lvl7pPr>
             <a:lvl8pPr marL="3200400" indent="0">
               <a:buNone/>
-              <a:defRPr sz="1000"/>
+              <a:defRPr sz="900"/>
             </a:lvl8pPr>
             <a:lvl9pPr marL="3657600" indent="0">
               <a:buNone/>
-              <a:defRPr sz="1000"/>
+              <a:defRPr sz="900"/>
             </a:lvl9pPr>
           </a:lstStyle>
           <a:p>
-            <a:pPr lvl="0"/>
-            <a:r>
-              <a:rPr lang="en-US"/>
-              <a:t>Edit Master text styles</a:t>
-            </a:r>
-          </a:p>
-        </p:txBody>
-      </p:sp>
-      <p:sp>
-        <p:nvSpPr>
-          <p:cNvPr id="5" name="Date Placeholder 4">
-            <a:extLst>
-              <a:ext uri="{FF2B5EF4-FFF2-40B4-BE49-F238E27FC236}">
-                <a16:creationId xmlns:a16="http://schemas.microsoft.com/office/drawing/2014/main" id="{1FE87481-DEA3-4C61-A473-B4E1BD3912AF}"/>
-              </a:ext>
-            </a:extLst>
-          </p:cNvPr>
+            <a:pPr marL="0" marR="0" lvl="0" indent="0" algn="l" defTabSz="914400" rtl="0" eaLnBrk="1" fontAlgn="auto" latinLnBrk="0" hangingPunct="1">
+              <a:lnSpc>
+                <a:spcPct val="100000"/>
+              </a:lnSpc>
+              <a:spcBef>
+                <a:spcPts val="1400"/>
+              </a:spcBef>
+              <a:spcAft>
+                <a:spcPts val="0"/>
+              </a:spcAft>
+              <a:buClrTx/>
+              <a:buSzTx/>
+              <a:buFontTx/>
+              <a:buNone/>
+              <a:tabLst/>
+              <a:defRPr/>
+            </a:pPr>
+            <a:r>
+              <a:rPr lang="de-DE"/>
+              <a:t>Mastertextformat bearbeiten</a:t>
+            </a:r>
+          </a:p>
+        </p:txBody>
+      </p:sp>
+      <p:sp>
+        <p:nvSpPr>
+          <p:cNvPr id="5" name="Date Placeholder 4"/>
           <p:cNvSpPr>
             <a:spLocks noGrp="1"/>
           </p:cNvSpPr>
@@ -2395,7 +2409,7 @@
           <a:p>
             <a:fld id="{8E78446D-92C2-4ACE-B9DB-5401115AEB86}" type="datetimeFigureOut">
               <a:rPr lang="en-SE" smtClean="0"/>
-              <a:t>2018-01-09</a:t>
+              <a:t>01/10/2018</a:t>
             </a:fld>
             <a:endParaRPr lang="en-SE"/>
           </a:p>
@@ -2403,13 +2417,7 @@
       </p:sp>
       <p:sp>
         <p:nvSpPr>
-          <p:cNvPr id="6" name="Footer Placeholder 5">
-            <a:extLst>
-              <a:ext uri="{FF2B5EF4-FFF2-40B4-BE49-F238E27FC236}">
-                <a16:creationId xmlns:a16="http://schemas.microsoft.com/office/drawing/2014/main" id="{040412EC-A9FA-4440-98BC-E1E0C2CC70D4}"/>
-              </a:ext>
-            </a:extLst>
-          </p:cNvPr>
+          <p:cNvPr id="6" name="Footer Placeholder 5"/>
           <p:cNvSpPr>
             <a:spLocks noGrp="1"/>
           </p:cNvSpPr>
@@ -2428,13 +2436,7 @@
       </p:sp>
       <p:sp>
         <p:nvSpPr>
-          <p:cNvPr id="7" name="Slide Number Placeholder 6">
-            <a:extLst>
-              <a:ext uri="{FF2B5EF4-FFF2-40B4-BE49-F238E27FC236}">
-                <a16:creationId xmlns:a16="http://schemas.microsoft.com/office/drawing/2014/main" id="{7B7F2B6F-896E-418C-9DBC-936314289CDC}"/>
-              </a:ext>
-            </a:extLst>
-          </p:cNvPr>
+          <p:cNvPr id="7" name="Slide Number Placeholder 6"/>
           <p:cNvSpPr>
             <a:spLocks noGrp="1"/>
           </p:cNvSpPr>
@@ -2445,11 +2447,21 @@
         <p:spPr/>
         <p:txBody>
           <a:bodyPr/>
-          <a:lstStyle/>
+          <a:lstStyle>
+            <a:lvl1pPr>
+              <a:defRPr>
+                <a:solidFill>
+                  <a:srgbClr val="FFFFFF">
+                    <a:alpha val="20000"/>
+                  </a:srgbClr>
+                </a:solidFill>
+              </a:defRPr>
+            </a:lvl1pPr>
+          </a:lstStyle>
           <a:p>
             <a:fld id="{58753DA5-AEF8-4CC7-ADDF-51D88B0AD829}" type="slidenum">
               <a:rPr lang="en-SE" smtClean="0"/>
-              <a:t>‹#›</a:t>
+              <a:t>‹Nr.›</a:t>
             </a:fld>
             <a:endParaRPr lang="en-SE"/>
           </a:p>
@@ -2458,7 +2470,7 @@
     </p:spTree>
     <p:extLst>
       <p:ext uri="{BB962C8B-B14F-4D97-AF65-F5344CB8AC3E}">
-        <p14:creationId xmlns:p14="http://schemas.microsoft.com/office/powerpoint/2010/main" val="451495471"/>
+        <p14:creationId xmlns:p14="http://schemas.microsoft.com/office/powerpoint/2010/main" val="2377096507"/>
       </p:ext>
     </p:extLst>
   </p:cSld>
@@ -2470,7 +2482,15 @@
 
 <file path=ppt/slideLayouts/slideLayout9.xml><?xml version="1.0" encoding="utf-8"?>
 <p:sldLayout xmlns:a="http://schemas.openxmlformats.org/drawingml/2006/main" xmlns:r="http://schemas.openxmlformats.org/officeDocument/2006/relationships" xmlns:p="http://schemas.openxmlformats.org/presentationml/2006/main" type="picTx" preserve="1">
-  <p:cSld name="Picture with Caption">
+  <p:cSld name="Bild mit Überschrift">
+    <p:bg>
+      <p:bgPr>
+        <a:solidFill>
+          <a:schemeClr val="accent1"/>
+        </a:solidFill>
+        <a:effectLst/>
+      </p:bgPr>
+    </p:bg>
     <p:spTree>
       <p:nvGrpSpPr>
         <p:cNvPr id="1" name=""/>
@@ -2487,13 +2507,7 @@
       </p:grpSpPr>
       <p:sp>
         <p:nvSpPr>
-          <p:cNvPr id="2" name="Title 1">
-            <a:extLst>
-              <a:ext uri="{FF2B5EF4-FFF2-40B4-BE49-F238E27FC236}">
-                <a16:creationId xmlns:a16="http://schemas.microsoft.com/office/drawing/2014/main" id="{FE95FE47-BFA5-4591-8E31-210E9440C81E}"/>
-              </a:ext>
-            </a:extLst>
-          </p:cNvPr>
+          <p:cNvPr id="2" name="Title 1"/>
           <p:cNvSpPr>
             <a:spLocks noGrp="1"/>
           </p:cNvSpPr>
@@ -2503,37 +2517,37 @@
         </p:nvSpPr>
         <p:spPr>
           <a:xfrm>
-            <a:off x="839788" y="457200"/>
-            <a:ext cx="3932237" cy="1600200"/>
+            <a:off x="649224" y="5418667"/>
+            <a:ext cx="10780776" cy="613283"/>
           </a:xfrm>
         </p:spPr>
         <p:txBody>
-          <a:bodyPr anchor="b"/>
+          <a:bodyPr anchor="b">
+            <a:normAutofit/>
+          </a:bodyPr>
           <a:lstStyle>
             <a:lvl1pPr>
-              <a:defRPr sz="3200"/>
+              <a:defRPr sz="3200" b="0">
+                <a:solidFill>
+                  <a:srgbClr val="FFFFFF"/>
+                </a:solidFill>
+              </a:defRPr>
             </a:lvl1pPr>
           </a:lstStyle>
           <a:p>
             <a:r>
-              <a:rPr lang="en-US"/>
-              <a:t>Click to edit Master title style</a:t>
-            </a:r>
-            <a:endParaRPr lang="en-SE"/>
-          </a:p>
-        </p:txBody>
-      </p:sp>
-      <p:sp>
-        <p:nvSpPr>
-          <p:cNvPr id="3" name="Picture Placeholder 2">
-            <a:extLst>
-              <a:ext uri="{FF2B5EF4-FFF2-40B4-BE49-F238E27FC236}">
-                <a16:creationId xmlns:a16="http://schemas.microsoft.com/office/drawing/2014/main" id="{E50A6B64-348D-4C6A-B362-AA94D3D4CCA1}"/>
-              </a:ext>
-            </a:extLst>
-          </p:cNvPr>
-          <p:cNvSpPr>
-            <a:spLocks noGrp="1"/>
+              <a:rPr lang="de-DE"/>
+              <a:t>Mastertitelformat bearbeiten</a:t>
+            </a:r>
+            <a:endParaRPr lang="en-US" dirty="0"/>
+          </a:p>
+        </p:txBody>
+      </p:sp>
+      <p:sp>
+        <p:nvSpPr>
+          <p:cNvPr id="3" name="Picture Placeholder 2"/>
+          <p:cNvSpPr>
+            <a:spLocks noGrp="1" noChangeAspect="1"/>
           </p:cNvSpPr>
           <p:nvPr>
             <p:ph type="pic" idx="1"/>
@@ -2541,16 +2555,32 @@
         </p:nvSpPr>
         <p:spPr>
           <a:xfrm>
-            <a:off x="5183188" y="987425"/>
-            <a:ext cx="6172200" cy="4873625"/>
+            <a:off x="0" y="0"/>
+            <a:ext cx="12192000" cy="5330952"/>
           </a:xfrm>
+          <a:blipFill>
+            <a:blip r:embed="rId2"/>
+            <a:stretch>
+              <a:fillRect/>
+            </a:stretch>
+          </a:blipFill>
         </p:spPr>
         <p:txBody>
-          <a:bodyPr/>
+          <a:bodyPr anchor="t"/>
           <a:lstStyle>
-            <a:lvl1pPr marL="0" indent="0">
-              <a:buNone/>
-              <a:defRPr sz="3200"/>
+            <a:lvl1pPr marL="0" indent="0" algn="ctr">
+              <a:spcBef>
+                <a:spcPts val="800"/>
+              </a:spcBef>
+              <a:buNone/>
+              <a:defRPr sz="3200">
+                <a:solidFill>
+                  <a:schemeClr val="tx1">
+                    <a:lumMod val="75000"/>
+                    <a:lumOff val="25000"/>
+                  </a:schemeClr>
+                </a:solidFill>
+              </a:defRPr>
             </a:lvl1pPr>
             <a:lvl2pPr marL="457200" indent="0">
               <a:buNone/>
@@ -2586,19 +2616,17 @@
             </a:lvl9pPr>
           </a:lstStyle>
           <a:p>
-            <a:endParaRPr lang="en-SE"/>
-          </a:p>
-        </p:txBody>
-      </p:sp>
-      <p:sp>
-        <p:nvSpPr>
-          <p:cNvPr id="4" name="Text Placeholder 3">
-            <a:extLst>
-              <a:ext uri="{FF2B5EF4-FFF2-40B4-BE49-F238E27FC236}">
-                <a16:creationId xmlns:a16="http://schemas.microsoft.com/office/drawing/2014/main" id="{D4E5E758-D129-451D-AD9A-55C0D569A29A}"/>
-              </a:ext>
-            </a:extLst>
-          </p:cNvPr>
+            <a:r>
+              <a:rPr lang="de-DE"/>
+              <a:t>Bild durch Klicken auf Symbol hinzufügen</a:t>
+            </a:r>
+            <a:endParaRPr lang="en-US" dirty="0"/>
+          </a:p>
+        </p:txBody>
+      </p:sp>
+      <p:sp>
+        <p:nvSpPr>
+          <p:cNvPr id="4" name="Text Placeholder 3"/>
           <p:cNvSpPr>
             <a:spLocks noGrp="1"/>
           </p:cNvSpPr>
@@ -2608,68 +2636,71 @@
         </p:nvSpPr>
         <p:spPr>
           <a:xfrm>
-            <a:off x="839788" y="2057400"/>
-            <a:ext cx="3932237" cy="3811588"/>
+            <a:off x="676656" y="5909735"/>
+            <a:ext cx="9229344" cy="533400"/>
           </a:xfrm>
         </p:spPr>
         <p:txBody>
-          <a:bodyPr/>
+          <a:bodyPr>
+            <a:normAutofit/>
+          </a:bodyPr>
           <a:lstStyle>
             <a:lvl1pPr marL="0" indent="0">
-              <a:buNone/>
-              <a:defRPr sz="1600"/>
+              <a:lnSpc>
+                <a:spcPct val="90000"/>
+              </a:lnSpc>
+              <a:buNone/>
+              <a:defRPr sz="1400">
+                <a:solidFill>
+                  <a:srgbClr val="262626"/>
+                </a:solidFill>
+              </a:defRPr>
             </a:lvl1pPr>
             <a:lvl2pPr marL="457200" indent="0">
               <a:buNone/>
-              <a:defRPr sz="1400"/>
+              <a:defRPr sz="1200"/>
             </a:lvl2pPr>
             <a:lvl3pPr marL="914400" indent="0">
               <a:buNone/>
-              <a:defRPr sz="1200"/>
+              <a:defRPr sz="1000"/>
             </a:lvl3pPr>
             <a:lvl4pPr marL="1371600" indent="0">
               <a:buNone/>
-              <a:defRPr sz="1000"/>
+              <a:defRPr sz="900"/>
             </a:lvl4pPr>
             <a:lvl5pPr marL="1828800" indent="0">
               <a:buNone/>
-              <a:defRPr sz="1000"/>
+              <a:defRPr sz="900"/>
             </a:lvl5pPr>
             <a:lvl6pPr marL="2286000" indent="0">
               <a:buNone/>
-              <a:defRPr sz="1000"/>
+              <a:defRPr sz="900"/>
             </a:lvl6pPr>
             <a:lvl7pPr marL="2743200" indent="0">
               <a:buNone/>
-              <a:defRPr sz="1000"/>
+              <a:defRPr sz="900"/>
             </a:lvl7pPr>
             <a:lvl8pPr marL="3200400" indent="0">
               <a:buNone/>
-              <a:defRPr sz="1000"/>
+              <a:defRPr sz="900"/>
             </a:lvl8pPr>
             <a:lvl9pPr marL="3657600" indent="0">
               <a:buNone/>
-              <a:defRPr sz="1000"/>
+              <a:defRPr sz="900"/>
             </a:lvl9pPr>
           </a:lstStyle>
           <a:p>
             <a:pPr lvl="0"/>
             <a:r>
-              <a:rPr lang="en-US"/>
-              <a:t>Edit Master text styles</a:t>
-            </a:r>
-          </a:p>
-        </p:txBody>
-      </p:sp>
-      <p:sp>
-        <p:nvSpPr>
-          <p:cNvPr id="5" name="Date Placeholder 4">
-            <a:extLst>
-              <a:ext uri="{FF2B5EF4-FFF2-40B4-BE49-F238E27FC236}">
-                <a16:creationId xmlns:a16="http://schemas.microsoft.com/office/drawing/2014/main" id="{7E06EF4B-58A1-4705-8A6E-EC38A6C7A3CA}"/>
-              </a:ext>
-            </a:extLst>
-          </p:cNvPr>
+              <a:rPr lang="de-DE"/>
+              <a:t>Mastertextformat bearbeiten</a:t>
+            </a:r>
+          </a:p>
+        </p:txBody>
+      </p:sp>
+      <p:sp>
+        <p:nvSpPr>
+          <p:cNvPr id="12" name="Date Placeholder 11"/>
           <p:cNvSpPr>
             <a:spLocks noGrp="1"/>
           </p:cNvSpPr>
@@ -2680,11 +2711,21 @@
         <p:spPr/>
         <p:txBody>
           <a:bodyPr/>
-          <a:lstStyle/>
+          <a:lstStyle>
+            <a:lvl1pPr>
+              <a:defRPr>
+                <a:solidFill>
+                  <a:srgbClr val="FFFFFF">
+                    <a:alpha val="80000"/>
+                  </a:srgbClr>
+                </a:solidFill>
+              </a:defRPr>
+            </a:lvl1pPr>
+          </a:lstStyle>
           <a:p>
             <a:fld id="{8E78446D-92C2-4ACE-B9DB-5401115AEB86}" type="datetimeFigureOut">
               <a:rPr lang="en-SE" smtClean="0"/>
-              <a:t>2018-01-09</a:t>
+              <a:t>01/10/2018</a:t>
             </a:fld>
             <a:endParaRPr lang="en-SE"/>
           </a:p>
@@ -2692,13 +2733,7 @@
       </p:sp>
       <p:sp>
         <p:nvSpPr>
-          <p:cNvPr id="6" name="Footer Placeholder 5">
-            <a:extLst>
-              <a:ext uri="{FF2B5EF4-FFF2-40B4-BE49-F238E27FC236}">
-                <a16:creationId xmlns:a16="http://schemas.microsoft.com/office/drawing/2014/main" id="{0D3EC699-F61E-4DA4-BCB5-F88C762DB9EA}"/>
-              </a:ext>
-            </a:extLst>
-          </p:cNvPr>
+          <p:cNvPr id="13" name="Footer Placeholder 12"/>
           <p:cNvSpPr>
             <a:spLocks noGrp="1"/>
           </p:cNvSpPr>
@@ -2709,7 +2744,17 @@
         <p:spPr/>
         <p:txBody>
           <a:bodyPr/>
-          <a:lstStyle/>
+          <a:lstStyle>
+            <a:lvl1pPr>
+              <a:defRPr>
+                <a:solidFill>
+                  <a:srgbClr val="FFFFFF">
+                    <a:alpha val="80000"/>
+                  </a:srgbClr>
+                </a:solidFill>
+              </a:defRPr>
+            </a:lvl1pPr>
+          </a:lstStyle>
           <a:p>
             <a:endParaRPr lang="en-SE"/>
           </a:p>
@@ -2717,13 +2762,7 @@
       </p:sp>
       <p:sp>
         <p:nvSpPr>
-          <p:cNvPr id="7" name="Slide Number Placeholder 6">
-            <a:extLst>
-              <a:ext uri="{FF2B5EF4-FFF2-40B4-BE49-F238E27FC236}">
-                <a16:creationId xmlns:a16="http://schemas.microsoft.com/office/drawing/2014/main" id="{FC81711B-6994-4150-BAF2-84BCB5406C3D}"/>
-              </a:ext>
-            </a:extLst>
-          </p:cNvPr>
+          <p:cNvPr id="14" name="Slide Number Placeholder 13"/>
           <p:cNvSpPr>
             <a:spLocks noGrp="1"/>
           </p:cNvSpPr>
@@ -2734,11 +2773,21 @@
         <p:spPr/>
         <p:txBody>
           <a:bodyPr/>
-          <a:lstStyle/>
+          <a:lstStyle>
+            <a:lvl1pPr>
+              <a:defRPr>
+                <a:solidFill>
+                  <a:srgbClr val="FFFFFF">
+                    <a:alpha val="25000"/>
+                  </a:srgbClr>
+                </a:solidFill>
+              </a:defRPr>
+            </a:lvl1pPr>
+          </a:lstStyle>
           <a:p>
             <a:fld id="{58753DA5-AEF8-4CC7-ADDF-51D88B0AD829}" type="slidenum">
               <a:rPr lang="en-SE" smtClean="0"/>
-              <a:t>‹#›</a:t>
+              <a:t>‹Nr.›</a:t>
             </a:fld>
             <a:endParaRPr lang="en-SE"/>
           </a:p>
@@ -2747,12 +2796,12 @@
     </p:spTree>
     <p:extLst>
       <p:ext uri="{BB962C8B-B14F-4D97-AF65-F5344CB8AC3E}">
-        <p14:creationId xmlns:p14="http://schemas.microsoft.com/office/powerpoint/2010/main" val="1199505454"/>
+        <p14:creationId xmlns:p14="http://schemas.microsoft.com/office/powerpoint/2010/main" val="1494122133"/>
       </p:ext>
     </p:extLst>
   </p:cSld>
   <p:clrMapOvr>
-    <a:masterClrMapping/>
+    <a:overrideClrMapping bg1="lt1" tx1="dk1" bg2="lt2" tx2="dk2" accent1="accent1" accent2="accent2" accent3="accent3" accent4="accent4" accent5="accent5" accent6="accent6" hlink="hlink" folHlink="folHlink"/>
   </p:clrMapOvr>
 </p:sldLayout>
 </file>
@@ -2781,13 +2830,7 @@
       </p:grpSpPr>
       <p:sp>
         <p:nvSpPr>
-          <p:cNvPr id="2" name="Title Placeholder 1">
-            <a:extLst>
-              <a:ext uri="{FF2B5EF4-FFF2-40B4-BE49-F238E27FC236}">
-                <a16:creationId xmlns:a16="http://schemas.microsoft.com/office/drawing/2014/main" id="{3105B870-16CC-4ADA-9822-02721E7349EA}"/>
-              </a:ext>
-            </a:extLst>
-          </p:cNvPr>
+          <p:cNvPr id="2" name="Title Placeholder 1"/>
           <p:cNvSpPr>
             <a:spLocks noGrp="1"/>
           </p:cNvSpPr>
@@ -2797,8 +2840,8 @@
         </p:nvSpPr>
         <p:spPr>
           <a:xfrm>
-            <a:off x="838200" y="365125"/>
-            <a:ext cx="10515600" cy="1325563"/>
+            <a:off x="657224" y="499533"/>
+            <a:ext cx="10772775" cy="1658198"/>
           </a:xfrm>
           <a:prstGeom prst="rect">
             <a:avLst/>
@@ -2811,22 +2854,16 @@
           <a:lstStyle/>
           <a:p>
             <a:r>
-              <a:rPr lang="en-US"/>
-              <a:t>Click to edit Master title style</a:t>
-            </a:r>
-            <a:endParaRPr lang="en-SE"/>
-          </a:p>
-        </p:txBody>
-      </p:sp>
-      <p:sp>
-        <p:nvSpPr>
-          <p:cNvPr id="3" name="Text Placeholder 2">
-            <a:extLst>
-              <a:ext uri="{FF2B5EF4-FFF2-40B4-BE49-F238E27FC236}">
-                <a16:creationId xmlns:a16="http://schemas.microsoft.com/office/drawing/2014/main" id="{CDF0F575-D6F1-40B7-841C-88199888F84A}"/>
-              </a:ext>
-            </a:extLst>
-          </p:cNvPr>
+              <a:rPr lang="de-DE"/>
+              <a:t>Mastertitelformat bearbeiten</a:t>
+            </a:r>
+            <a:endParaRPr lang="en-US" dirty="0"/>
+          </a:p>
+        </p:txBody>
+      </p:sp>
+      <p:sp>
+        <p:nvSpPr>
+          <p:cNvPr id="3" name="Text Placeholder 2"/>
           <p:cNvSpPr>
             <a:spLocks noGrp="1"/>
           </p:cNvSpPr>
@@ -2836,8 +2873,8 @@
         </p:nvSpPr>
         <p:spPr>
           <a:xfrm>
-            <a:off x="838200" y="1825625"/>
-            <a:ext cx="10515600" cy="4351338"/>
+            <a:off x="676656" y="2011680"/>
+            <a:ext cx="10753725" cy="3766185"/>
           </a:xfrm>
           <a:prstGeom prst="rect">
             <a:avLst/>
@@ -2851,50 +2888,44 @@
           <a:p>
             <a:pPr lvl="0"/>
             <a:r>
-              <a:rPr lang="en-US"/>
-              <a:t>Edit Master text styles</a:t>
+              <a:rPr lang="de-DE"/>
+              <a:t>Mastertextformat bearbeiten</a:t>
             </a:r>
           </a:p>
           <a:p>
             <a:pPr lvl="1"/>
             <a:r>
-              <a:rPr lang="en-US"/>
-              <a:t>Second level</a:t>
+              <a:rPr lang="de-DE"/>
+              <a:t>Zweite Ebene</a:t>
             </a:r>
           </a:p>
           <a:p>
             <a:pPr lvl="2"/>
             <a:r>
-              <a:rPr lang="en-US"/>
-              <a:t>Third level</a:t>
+              <a:rPr lang="de-DE"/>
+              <a:t>Dritte Ebene</a:t>
             </a:r>
           </a:p>
           <a:p>
             <a:pPr lvl="3"/>
             <a:r>
-              <a:rPr lang="en-US"/>
-              <a:t>Fourth level</a:t>
+              <a:rPr lang="de-DE"/>
+              <a:t>Vierte Ebene</a:t>
             </a:r>
           </a:p>
           <a:p>
             <a:pPr lvl="4"/>
             <a:r>
-              <a:rPr lang="en-US"/>
-              <a:t>Fifth level</a:t>
-            </a:r>
-            <a:endParaRPr lang="en-SE"/>
-          </a:p>
-        </p:txBody>
-      </p:sp>
-      <p:sp>
-        <p:nvSpPr>
-          <p:cNvPr id="4" name="Date Placeholder 3">
-            <a:extLst>
-              <a:ext uri="{FF2B5EF4-FFF2-40B4-BE49-F238E27FC236}">
-                <a16:creationId xmlns:a16="http://schemas.microsoft.com/office/drawing/2014/main" id="{70A6EF28-AB51-4A1B-881E-2B8EF1177C22}"/>
-              </a:ext>
-            </a:extLst>
-          </p:cNvPr>
+              <a:rPr lang="de-DE"/>
+              <a:t>Fünfte Ebene</a:t>
+            </a:r>
+            <a:endParaRPr lang="en-US" dirty="0"/>
+          </a:p>
+        </p:txBody>
+      </p:sp>
+      <p:sp>
+        <p:nvSpPr>
+          <p:cNvPr id="4" name="Date Placeholder 3"/>
           <p:cNvSpPr>
             <a:spLocks noGrp="1"/>
           </p:cNvSpPr>
@@ -2904,8 +2935,8 @@
         </p:nvSpPr>
         <p:spPr>
           <a:xfrm>
-            <a:off x="838200" y="6356350"/>
-            <a:ext cx="2743200" cy="365125"/>
+            <a:off x="685800" y="6412447"/>
+            <a:ext cx="4114800" cy="228600"/>
           </a:xfrm>
           <a:prstGeom prst="rect">
             <a:avLst/>
@@ -2915,10 +2946,10 @@
           <a:bodyPr vert="horz" lIns="91440" tIns="45720" rIns="91440" bIns="45720" rtlCol="0" anchor="ctr"/>
           <a:lstStyle>
             <a:lvl1pPr algn="l">
-              <a:defRPr sz="1200">
+              <a:defRPr sz="950">
                 <a:solidFill>
                   <a:schemeClr val="tx1">
-                    <a:tint val="75000"/>
+                    <a:alpha val="80000"/>
                   </a:schemeClr>
                 </a:solidFill>
               </a:defRPr>
@@ -2927,7 +2958,7 @@
           <a:p>
             <a:fld id="{8E78446D-92C2-4ACE-B9DB-5401115AEB86}" type="datetimeFigureOut">
               <a:rPr lang="en-SE" smtClean="0"/>
-              <a:t>2018-01-09</a:t>
+              <a:t>01/10/2018</a:t>
             </a:fld>
             <a:endParaRPr lang="en-SE"/>
           </a:p>
@@ -2935,13 +2966,7 @@
       </p:sp>
       <p:sp>
         <p:nvSpPr>
-          <p:cNvPr id="5" name="Footer Placeholder 4">
-            <a:extLst>
-              <a:ext uri="{FF2B5EF4-FFF2-40B4-BE49-F238E27FC236}">
-                <a16:creationId xmlns:a16="http://schemas.microsoft.com/office/drawing/2014/main" id="{F51FC8E8-38BA-4876-990B-FC933679B8F1}"/>
-              </a:ext>
-            </a:extLst>
-          </p:cNvPr>
+          <p:cNvPr id="5" name="Footer Placeholder 4"/>
           <p:cNvSpPr>
             <a:spLocks noGrp="1"/>
           </p:cNvSpPr>
@@ -2951,8 +2976,8 @@
         </p:nvSpPr>
         <p:spPr>
           <a:xfrm>
-            <a:off x="4038600" y="6356350"/>
-            <a:ext cx="4114800" cy="365125"/>
+            <a:off x="685800" y="6554697"/>
+            <a:ext cx="5029200" cy="228600"/>
           </a:xfrm>
           <a:prstGeom prst="rect">
             <a:avLst/>
@@ -2961,11 +2986,11 @@
         <p:txBody>
           <a:bodyPr vert="horz" lIns="91440" tIns="45720" rIns="91440" bIns="45720" rtlCol="0" anchor="ctr"/>
           <a:lstStyle>
-            <a:lvl1pPr algn="ctr">
-              <a:defRPr sz="1200">
+            <a:lvl1pPr algn="l">
+              <a:defRPr sz="950" cap="all" baseline="0">
                 <a:solidFill>
                   <a:schemeClr val="tx1">
-                    <a:tint val="75000"/>
+                    <a:alpha val="80000"/>
                   </a:schemeClr>
                 </a:solidFill>
               </a:defRPr>
@@ -2978,13 +3003,7 @@
       </p:sp>
       <p:sp>
         <p:nvSpPr>
-          <p:cNvPr id="6" name="Slide Number Placeholder 5">
-            <a:extLst>
-              <a:ext uri="{FF2B5EF4-FFF2-40B4-BE49-F238E27FC236}">
-                <a16:creationId xmlns:a16="http://schemas.microsoft.com/office/drawing/2014/main" id="{F14B8ED7-64BA-4901-995A-BDD736121B66}"/>
-              </a:ext>
-            </a:extLst>
-          </p:cNvPr>
+          <p:cNvPr id="6" name="Slide Number Placeholder 5"/>
           <p:cNvSpPr>
             <a:spLocks noGrp="1"/>
           </p:cNvSpPr>
@@ -2994,30 +3013,34 @@
         </p:nvSpPr>
         <p:spPr>
           <a:xfrm>
-            <a:off x="8610600" y="6356350"/>
-            <a:ext cx="2743200" cy="365125"/>
+            <a:off x="8763926" y="5876412"/>
+            <a:ext cx="2926080" cy="1397039"/>
           </a:xfrm>
           <a:prstGeom prst="rect">
             <a:avLst/>
           </a:prstGeom>
         </p:spPr>
         <p:txBody>
-          <a:bodyPr vert="horz" lIns="91440" tIns="45720" rIns="91440" bIns="45720" rtlCol="0" anchor="ctr"/>
+          <a:bodyPr vert="horz" lIns="91440" tIns="45720" rIns="91440" bIns="45720" rtlCol="0" anchor="b"/>
           <a:lstStyle>
             <a:lvl1pPr algn="r">
-              <a:defRPr sz="1200">
+              <a:defRPr sz="10300" b="0">
+                <a:ln>
+                  <a:noFill/>
+                </a:ln>
                 <a:solidFill>
-                  <a:schemeClr val="tx1">
-                    <a:tint val="75000"/>
+                  <a:schemeClr val="accent1">
+                    <a:alpha val="25000"/>
                   </a:schemeClr>
                 </a:solidFill>
+                <a:latin typeface="+mj-lt"/>
               </a:defRPr>
             </a:lvl1pPr>
           </a:lstStyle>
           <a:p>
             <a:fld id="{58753DA5-AEF8-4CC7-ADDF-51D88B0AD829}" type="slidenum">
               <a:rPr lang="en-SE" smtClean="0"/>
-              <a:t>‹#›</a:t>
+              <a:t>‹Nr.›</a:t>
             </a:fld>
             <a:endParaRPr lang="en-SE"/>
           </a:p>
@@ -3026,37 +3049,37 @@
     </p:spTree>
     <p:extLst>
       <p:ext uri="{BB962C8B-B14F-4D97-AF65-F5344CB8AC3E}">
-        <p14:creationId xmlns:p14="http://schemas.microsoft.com/office/powerpoint/2010/main" val="4064604605"/>
+        <p14:creationId xmlns:p14="http://schemas.microsoft.com/office/powerpoint/2010/main" val="1366768644"/>
       </p:ext>
     </p:extLst>
   </p:cSld>
   <p:clrMap bg1="lt1" tx1="dk1" bg2="lt2" tx2="dk2" accent1="accent1" accent2="accent2" accent3="accent3" accent4="accent4" accent5="accent5" accent6="accent6" hlink="hlink" folHlink="folHlink"/>
   <p:sldLayoutIdLst>
-    <p:sldLayoutId id="2147483691" r:id="rId1"/>
-    <p:sldLayoutId id="2147483692" r:id="rId2"/>
-    <p:sldLayoutId id="2147483693" r:id="rId3"/>
-    <p:sldLayoutId id="2147483694" r:id="rId4"/>
-    <p:sldLayoutId id="2147483695" r:id="rId5"/>
-    <p:sldLayoutId id="2147483696" r:id="rId6"/>
-    <p:sldLayoutId id="2147483697" r:id="rId7"/>
-    <p:sldLayoutId id="2147483698" r:id="rId8"/>
-    <p:sldLayoutId id="2147483699" r:id="rId9"/>
-    <p:sldLayoutId id="2147483700" r:id="rId10"/>
-    <p:sldLayoutId id="2147483701" r:id="rId11"/>
+    <p:sldLayoutId id="2147483703" r:id="rId1"/>
+    <p:sldLayoutId id="2147483704" r:id="rId2"/>
+    <p:sldLayoutId id="2147483705" r:id="rId3"/>
+    <p:sldLayoutId id="2147483706" r:id="rId4"/>
+    <p:sldLayoutId id="2147483707" r:id="rId5"/>
+    <p:sldLayoutId id="2147483708" r:id="rId6"/>
+    <p:sldLayoutId id="2147483709" r:id="rId7"/>
+    <p:sldLayoutId id="2147483710" r:id="rId8"/>
+    <p:sldLayoutId id="2147483711" r:id="rId9"/>
+    <p:sldLayoutId id="2147483712" r:id="rId10"/>
+    <p:sldLayoutId id="2147483713" r:id="rId11"/>
   </p:sldLayoutIdLst>
   <p:txStyles>
     <p:titleStyle>
       <a:lvl1pPr algn="l" defTabSz="914400" rtl="0" eaLnBrk="1" latinLnBrk="0" hangingPunct="1">
         <a:lnSpc>
-          <a:spcPct val="90000"/>
+          <a:spcPct val="85000"/>
         </a:lnSpc>
         <a:spcBef>
           <a:spcPct val="0"/>
         </a:spcBef>
         <a:buNone/>
-        <a:defRPr sz="4400" kern="1200">
+        <a:defRPr sz="5400" kern="1200" spc="-120" baseline="0">
           <a:solidFill>
-            <a:schemeClr val="tx1"/>
+            <a:schemeClr val="accent1"/>
           </a:solidFill>
           <a:latin typeface="+mj-lt"/>
           <a:ea typeface="+mj-ea"/>
@@ -3065,162 +3088,189 @@
       </a:lvl1pPr>
     </p:titleStyle>
     <p:bodyStyle>
-      <a:lvl1pPr marL="228600" indent="-228600" algn="l" defTabSz="914400" rtl="0" eaLnBrk="1" latinLnBrk="0" hangingPunct="1">
+      <a:lvl1pPr marL="91440" indent="-91440" algn="l" defTabSz="914400" rtl="0" eaLnBrk="1" latinLnBrk="0" hangingPunct="1">
         <a:lnSpc>
-          <a:spcPct val="90000"/>
+          <a:spcPct val="85000"/>
         </a:lnSpc>
         <a:spcBef>
-          <a:spcPts val="1000"/>
+          <a:spcPts val="1300"/>
         </a:spcBef>
-        <a:buFont typeface="Arial" panose="020B0604020202020204" pitchFamily="34" charset="0"/>
-        <a:buChar char="•"/>
-        <a:defRPr sz="2800" kern="1200">
+        <a:buFont typeface="Arial" pitchFamily="34" charset="0"/>
+        <a:buChar char=" "/>
+        <a:defRPr sz="2400" kern="1200">
           <a:solidFill>
-            <a:schemeClr val="tx1"/>
+            <a:schemeClr val="tx1">
+              <a:lumMod val="85000"/>
+              <a:lumOff val="15000"/>
+            </a:schemeClr>
           </a:solidFill>
           <a:latin typeface="+mn-lt"/>
           <a:ea typeface="+mn-ea"/>
           <a:cs typeface="+mn-cs"/>
         </a:defRPr>
       </a:lvl1pPr>
-      <a:lvl2pPr marL="685800" indent="-228600" algn="l" defTabSz="914400" rtl="0" eaLnBrk="1" latinLnBrk="0" hangingPunct="1">
+      <a:lvl2pPr marL="347472" indent="-342900" algn="l" defTabSz="914400" rtl="0" eaLnBrk="1" latinLnBrk="0" hangingPunct="1">
         <a:lnSpc>
-          <a:spcPct val="90000"/>
+          <a:spcPct val="85000"/>
         </a:lnSpc>
         <a:spcBef>
-          <a:spcPts val="500"/>
+          <a:spcPts val="600"/>
         </a:spcBef>
-        <a:buFont typeface="Arial" panose="020B0604020202020204" pitchFamily="34" charset="0"/>
-        <a:buChar char="•"/>
+        <a:buFont typeface="Arial" pitchFamily="34" charset="0"/>
+        <a:buChar char=" "/>
         <a:defRPr sz="2400" kern="1200">
           <a:solidFill>
-            <a:schemeClr val="tx1"/>
+            <a:schemeClr val="tx1">
+              <a:lumMod val="85000"/>
+              <a:lumOff val="15000"/>
+            </a:schemeClr>
           </a:solidFill>
           <a:latin typeface="+mn-lt"/>
           <a:ea typeface="+mn-ea"/>
           <a:cs typeface="+mn-cs"/>
         </a:defRPr>
       </a:lvl2pPr>
-      <a:lvl3pPr marL="1143000" indent="-228600" algn="l" defTabSz="914400" rtl="0" eaLnBrk="1" latinLnBrk="0" hangingPunct="1">
+      <a:lvl3pPr marL="548640" indent="-548640" algn="l" defTabSz="914400" rtl="0" eaLnBrk="1" latinLnBrk="0" hangingPunct="1">
         <a:lnSpc>
-          <a:spcPct val="90000"/>
+          <a:spcPct val="85000"/>
         </a:lnSpc>
         <a:spcBef>
-          <a:spcPts val="500"/>
+          <a:spcPts val="600"/>
         </a:spcBef>
-        <a:buFont typeface="Arial" panose="020B0604020202020204" pitchFamily="34" charset="0"/>
-        <a:buChar char="•"/>
-        <a:defRPr sz="2000" kern="1200">
+        <a:buFont typeface="Arial" pitchFamily="34" charset="0"/>
+        <a:buChar char=" "/>
+        <a:defRPr sz="2000" i="1" kern="1200">
           <a:solidFill>
-            <a:schemeClr val="tx1"/>
+            <a:schemeClr val="tx1">
+              <a:lumMod val="85000"/>
+              <a:lumOff val="15000"/>
+            </a:schemeClr>
           </a:solidFill>
           <a:latin typeface="+mn-lt"/>
           <a:ea typeface="+mn-ea"/>
           <a:cs typeface="+mn-cs"/>
         </a:defRPr>
       </a:lvl3pPr>
-      <a:lvl4pPr marL="1600200" indent="-228600" algn="l" defTabSz="914400" rtl="0" eaLnBrk="1" latinLnBrk="0" hangingPunct="1">
+      <a:lvl4pPr marL="822960" indent="-822960" algn="l" defTabSz="914400" rtl="0" eaLnBrk="1" latinLnBrk="0" hangingPunct="1">
         <a:lnSpc>
-          <a:spcPct val="90000"/>
+          <a:spcPct val="85000"/>
         </a:lnSpc>
         <a:spcBef>
-          <a:spcPts val="500"/>
+          <a:spcPts val="600"/>
         </a:spcBef>
-        <a:buFont typeface="Arial" panose="020B0604020202020204" pitchFamily="34" charset="0"/>
-        <a:buChar char="•"/>
+        <a:buFont typeface="Arial" pitchFamily="34" charset="0"/>
+        <a:buChar char=" "/>
         <a:defRPr sz="1800" kern="1200">
           <a:solidFill>
-            <a:schemeClr val="tx1"/>
+            <a:schemeClr val="tx1">
+              <a:lumMod val="85000"/>
+              <a:lumOff val="15000"/>
+            </a:schemeClr>
           </a:solidFill>
           <a:latin typeface="+mn-lt"/>
           <a:ea typeface="+mn-ea"/>
           <a:cs typeface="+mn-cs"/>
         </a:defRPr>
       </a:lvl4pPr>
-      <a:lvl5pPr marL="2057400" indent="-228600" algn="l" defTabSz="914400" rtl="0" eaLnBrk="1" latinLnBrk="0" hangingPunct="1">
+      <a:lvl5pPr marL="1097280" indent="-1097280" algn="l" defTabSz="914400" rtl="0" eaLnBrk="1" latinLnBrk="0" hangingPunct="1">
         <a:lnSpc>
-          <a:spcPct val="90000"/>
+          <a:spcPct val="85000"/>
         </a:lnSpc>
         <a:spcBef>
-          <a:spcPts val="500"/>
+          <a:spcPts val="600"/>
         </a:spcBef>
-        <a:buFont typeface="Arial" panose="020B0604020202020204" pitchFamily="34" charset="0"/>
-        <a:buChar char="•"/>
+        <a:buFont typeface="Arial" pitchFamily="34" charset="0"/>
+        <a:buChar char=" "/>
         <a:defRPr sz="1800" kern="1200">
           <a:solidFill>
-            <a:schemeClr val="tx1"/>
+            <a:schemeClr val="tx1">
+              <a:lumMod val="85000"/>
+              <a:lumOff val="15000"/>
+            </a:schemeClr>
           </a:solidFill>
           <a:latin typeface="+mn-lt"/>
           <a:ea typeface="+mn-ea"/>
           <a:cs typeface="+mn-cs"/>
         </a:defRPr>
       </a:lvl5pPr>
-      <a:lvl6pPr marL="2514600" indent="-228600" algn="l" defTabSz="914400" rtl="0" eaLnBrk="1" latinLnBrk="0" hangingPunct="1">
+      <a:lvl6pPr marL="1200000" indent="-228600" algn="l" defTabSz="914400" rtl="0" eaLnBrk="1" latinLnBrk="0" hangingPunct="1">
         <a:lnSpc>
-          <a:spcPct val="90000"/>
+          <a:spcPct val="85000"/>
         </a:lnSpc>
         <a:spcBef>
-          <a:spcPts val="500"/>
+          <a:spcPts val="600"/>
         </a:spcBef>
-        <a:buFont typeface="Arial" panose="020B0604020202020204" pitchFamily="34" charset="0"/>
-        <a:buChar char="•"/>
+        <a:buFont typeface="Arial" pitchFamily="34" charset="0"/>
+        <a:buChar char=" "/>
         <a:defRPr sz="1800" kern="1200">
           <a:solidFill>
-            <a:schemeClr val="tx1"/>
+            <a:schemeClr val="tx1">
+              <a:lumMod val="85000"/>
+              <a:lumOff val="15000"/>
+            </a:schemeClr>
           </a:solidFill>
           <a:latin typeface="+mn-lt"/>
           <a:ea typeface="+mn-ea"/>
           <a:cs typeface="+mn-cs"/>
         </a:defRPr>
       </a:lvl6pPr>
-      <a:lvl7pPr marL="2971800" indent="-228600" algn="l" defTabSz="914400" rtl="0" eaLnBrk="1" latinLnBrk="0" hangingPunct="1">
+      <a:lvl7pPr marL="1400000" indent="-228600" algn="l" defTabSz="914400" rtl="0" eaLnBrk="1" latinLnBrk="0" hangingPunct="1">
         <a:lnSpc>
-          <a:spcPct val="90000"/>
+          <a:spcPct val="85000"/>
         </a:lnSpc>
         <a:spcBef>
-          <a:spcPts val="500"/>
+          <a:spcPts val="600"/>
         </a:spcBef>
-        <a:buFont typeface="Arial" panose="020B0604020202020204" pitchFamily="34" charset="0"/>
-        <a:buChar char="•"/>
+        <a:buFont typeface="Arial" pitchFamily="34" charset="0"/>
+        <a:buChar char=" "/>
         <a:defRPr sz="1800" kern="1200">
           <a:solidFill>
-            <a:schemeClr val="tx1"/>
+            <a:schemeClr val="tx1">
+              <a:lumMod val="85000"/>
+              <a:lumOff val="15000"/>
+            </a:schemeClr>
           </a:solidFill>
           <a:latin typeface="+mn-lt"/>
           <a:ea typeface="+mn-ea"/>
           <a:cs typeface="+mn-cs"/>
         </a:defRPr>
       </a:lvl7pPr>
-      <a:lvl8pPr marL="3429000" indent="-228600" algn="l" defTabSz="914400" rtl="0" eaLnBrk="1" latinLnBrk="0" hangingPunct="1">
+      <a:lvl8pPr marL="1600000" indent="-228600" algn="l" defTabSz="914400" rtl="0" eaLnBrk="1" latinLnBrk="0" hangingPunct="1">
         <a:lnSpc>
-          <a:spcPct val="90000"/>
+          <a:spcPct val="85000"/>
         </a:lnSpc>
         <a:spcBef>
-          <a:spcPts val="500"/>
+          <a:spcPts val="600"/>
         </a:spcBef>
-        <a:buFont typeface="Arial" panose="020B0604020202020204" pitchFamily="34" charset="0"/>
-        <a:buChar char="•"/>
+        <a:buFont typeface="Arial" pitchFamily="34" charset="0"/>
+        <a:buChar char=" "/>
         <a:defRPr sz="1800" kern="1200">
           <a:solidFill>
-            <a:schemeClr val="tx1"/>
+            <a:schemeClr val="tx1">
+              <a:lumMod val="85000"/>
+              <a:lumOff val="15000"/>
+            </a:schemeClr>
           </a:solidFill>
           <a:latin typeface="+mn-lt"/>
           <a:ea typeface="+mn-ea"/>
           <a:cs typeface="+mn-cs"/>
         </a:defRPr>
       </a:lvl8pPr>
-      <a:lvl9pPr marL="3886200" indent="-228600" algn="l" defTabSz="914400" rtl="0" eaLnBrk="1" latinLnBrk="0" hangingPunct="1">
+      <a:lvl9pPr marL="1800000" indent="-228600" algn="l" defTabSz="914400" rtl="0" eaLnBrk="1" latinLnBrk="0" hangingPunct="1">
         <a:lnSpc>
-          <a:spcPct val="90000"/>
+          <a:spcPct val="85000"/>
         </a:lnSpc>
         <a:spcBef>
-          <a:spcPts val="500"/>
+          <a:spcPts val="600"/>
         </a:spcBef>
-        <a:buFont typeface="Arial" panose="020B0604020202020204" pitchFamily="34" charset="0"/>
-        <a:buChar char="•"/>
+        <a:buFont typeface="Arial" pitchFamily="34" charset="0"/>
+        <a:buChar char=" "/>
         <a:defRPr sz="1800" kern="1200">
           <a:solidFill>
-            <a:schemeClr val="tx1"/>
+            <a:schemeClr val="tx1">
+              <a:lumMod val="85000"/>
+              <a:lumOff val="15000"/>
+            </a:schemeClr>
           </a:solidFill>
           <a:latin typeface="+mn-lt"/>
           <a:ea typeface="+mn-ea"/>
@@ -3230,7 +3280,7 @@
     </p:bodyStyle>
     <p:otherStyle>
       <a:defPPr>
-        <a:defRPr lang="en-SE"/>
+        <a:defRPr lang="en-US"/>
       </a:defPPr>
       <a:lvl1pPr marL="0" algn="l" defTabSz="914400" rtl="0" eaLnBrk="1" latinLnBrk="0" hangingPunct="1">
         <a:defRPr sz="1800" kern="1200">
@@ -3499,7 +3549,9 @@
         </p:nvSpPr>
         <p:spPr/>
         <p:txBody>
-          <a:bodyPr/>
+          <a:bodyPr>
+            <a:normAutofit fontScale="70000" lnSpcReduction="20000"/>
+          </a:bodyPr>
           <a:lstStyle/>
           <a:p>
             <a:r>
@@ -3532,6 +3584,33 @@
             <a:r>
               <a:rPr lang="sv-SE" dirty="0"/>
               <a:t>Ajax livesearch</a:t>
+            </a:r>
+          </a:p>
+          <a:p>
+            <a:endParaRPr lang="sv-SE" dirty="0"/>
+          </a:p>
+          <a:p>
+            <a:pPr marL="0" indent="0">
+              <a:buNone/>
+            </a:pPr>
+            <a:r>
+              <a:rPr lang="sv-SE" dirty="0"/>
+              <a:t>Automated mails for orders (PHP mail())</a:t>
+            </a:r>
+          </a:p>
+          <a:p>
+            <a:pPr marL="0" indent="0">
+              <a:buNone/>
+            </a:pPr>
+            <a:endParaRPr lang="sv-SE" dirty="0"/>
+          </a:p>
+          <a:p>
+            <a:pPr marL="0" indent="0">
+              <a:buNone/>
+            </a:pPr>
+            <a:r>
+              <a:rPr lang="sv-SE" dirty="0"/>
+              <a:t>Shopping cart / Item class (OOP)</a:t>
             </a:r>
           </a:p>
         </p:txBody>
@@ -3613,7 +3692,9 @@
         </p:nvSpPr>
         <p:spPr/>
         <p:txBody>
-          <a:bodyPr/>
+          <a:bodyPr>
+            <a:normAutofit fontScale="70000" lnSpcReduction="20000"/>
+          </a:bodyPr>
           <a:lstStyle/>
           <a:p>
             <a:r>
@@ -3645,7 +3726,65 @@
           <a:p>
             <a:r>
               <a:rPr lang="sv-SE" dirty="0"/>
-              <a:t>Product comments</a:t>
+              <a:t>Product comment section</a:t>
+            </a:r>
+          </a:p>
+          <a:p>
+            <a:endParaRPr lang="sv-SE" dirty="0"/>
+          </a:p>
+          <a:p>
+            <a:r>
+              <a:rPr lang="de-CH" dirty="0"/>
+              <a:t>«Admin </a:t>
+            </a:r>
+            <a:r>
+              <a:rPr lang="de-CH" dirty="0" err="1"/>
+              <a:t>page</a:t>
+            </a:r>
+            <a:r>
+              <a:rPr lang="de-CH" dirty="0"/>
+              <a:t>» (.</a:t>
+            </a:r>
+            <a:r>
+              <a:rPr lang="de-CH" dirty="0" err="1"/>
+              <a:t>htaccess</a:t>
+            </a:r>
+            <a:r>
+              <a:rPr lang="de-CH" dirty="0"/>
+              <a:t>/.</a:t>
+            </a:r>
+            <a:r>
+              <a:rPr lang="de-CH" dirty="0" err="1"/>
+              <a:t>htpasswd</a:t>
+            </a:r>
+            <a:r>
+              <a:rPr lang="de-CH" dirty="0"/>
+              <a:t>) (in </a:t>
+            </a:r>
+            <a:r>
+              <a:rPr lang="de-CH" dirty="0" err="1"/>
+              <a:t>progress</a:t>
+            </a:r>
+            <a:r>
+              <a:rPr lang="de-CH" dirty="0"/>
+              <a:t>…)</a:t>
+            </a:r>
+          </a:p>
+          <a:p>
+            <a:endParaRPr lang="de-CH" dirty="0"/>
+          </a:p>
+          <a:p>
+            <a:r>
+              <a:rPr lang="de-CH" dirty="0"/>
+              <a:t>Bilingual (in </a:t>
+            </a:r>
+            <a:r>
+              <a:rPr lang="de-CH" dirty="0" err="1"/>
+              <a:t>progress</a:t>
+            </a:r>
+            <a:r>
+              <a:rPr lang="de-CH" dirty="0"/>
+              <a:t>…)</a:t>
             </a:r>
             <a:endParaRPr lang="en-SE" dirty="0"/>
           </a:p>
@@ -3668,9 +3807,9 @@
 </file>
 
 <file path=ppt/theme/theme1.xml><?xml version="1.0" encoding="utf-8"?>
-<a:theme xmlns:a="http://schemas.openxmlformats.org/drawingml/2006/main" name="Office Theme">
+<a:theme xmlns:a="http://schemas.openxmlformats.org/drawingml/2006/main" name="Metropolitan">
   <a:themeElements>
-    <a:clrScheme name="Office">
+    <a:clrScheme name="Metropolitan">
       <a:dk1>
         <a:sysClr val="windowText" lastClr="000000"/>
       </a:dk1>
@@ -3678,44 +3817,44 @@
         <a:sysClr val="window" lastClr="FFFFFF"/>
       </a:lt1>
       <a:dk2>
-        <a:srgbClr val="44546A"/>
+        <a:srgbClr val="162F33"/>
       </a:dk2>
       <a:lt2>
-        <a:srgbClr val="E7E6E6"/>
+        <a:srgbClr val="EAF0E0"/>
       </a:lt2>
       <a:accent1>
-        <a:srgbClr val="4472C4"/>
+        <a:srgbClr val="50B4C8"/>
       </a:accent1>
       <a:accent2>
-        <a:srgbClr val="ED7D31"/>
+        <a:srgbClr val="A8B97F"/>
       </a:accent2>
       <a:accent3>
-        <a:srgbClr val="A5A5A5"/>
+        <a:srgbClr val="9B9256"/>
       </a:accent3>
       <a:accent4>
-        <a:srgbClr val="FFC000"/>
+        <a:srgbClr val="657689"/>
       </a:accent4>
       <a:accent5>
-        <a:srgbClr val="5B9BD5"/>
+        <a:srgbClr val="7A855D"/>
       </a:accent5>
       <a:accent6>
-        <a:srgbClr val="70AD47"/>
+        <a:srgbClr val="84AC9D"/>
       </a:accent6>
       <a:hlink>
-        <a:srgbClr val="0563C1"/>
+        <a:srgbClr val="2370CD"/>
       </a:hlink>
       <a:folHlink>
-        <a:srgbClr val="954F72"/>
+        <a:srgbClr val="877589"/>
       </a:folHlink>
     </a:clrScheme>
-    <a:fontScheme name="Office">
+    <a:fontScheme name="Metropolitan">
       <a:majorFont>
         <a:latin typeface="Calibri Light" panose="020F0302020204030204"/>
         <a:ea typeface=""/>
         <a:cs typeface=""/>
-        <a:font script="Jpan" typeface="游ゴシック Light"/>
+        <a:font script="Jpan" typeface="ＭＳ Ｐゴシック"/>
         <a:font script="Hang" typeface="맑은 고딕"/>
-        <a:font script="Hans" typeface="等线 Light"/>
+        <a:font script="Hans" typeface="宋体"/>
         <a:font script="Hant" typeface="新細明體"/>
         <a:font script="Arab" typeface="Times New Roman"/>
         <a:font script="Hebr" typeface="Times New Roman"/>
@@ -3743,39 +3882,22 @@
         <a:font script="Viet" typeface="Times New Roman"/>
         <a:font script="Uigh" typeface="Microsoft Uighur"/>
         <a:font script="Geor" typeface="Sylfaen"/>
-        <a:font script="Armn" typeface="Arial"/>
-        <a:font script="Bugi" typeface="Leelawadee UI"/>
-        <a:font script="Bopo" typeface="Microsoft JhengHei"/>
-        <a:font script="Java" typeface="Javanese Text"/>
-        <a:font script="Lisu" typeface="Segoe UI"/>
-        <a:font script="Mymr" typeface="Myanmar Text"/>
-        <a:font script="Nkoo" typeface="Ebrima"/>
-        <a:font script="Olck" typeface="Nirmala UI"/>
-        <a:font script="Osma" typeface="Ebrima"/>
-        <a:font script="Phag" typeface="Phagspa"/>
-        <a:font script="Syrn" typeface="Estrangelo Edessa"/>
-        <a:font script="Syrj" typeface="Estrangelo Edessa"/>
-        <a:font script="Syre" typeface="Estrangelo Edessa"/>
-        <a:font script="Sora" typeface="Nirmala UI"/>
-        <a:font script="Tale" typeface="Microsoft Tai Le"/>
-        <a:font script="Talu" typeface="Microsoft New Tai Lue"/>
-        <a:font script="Tfng" typeface="Ebrima"/>
       </a:majorFont>
       <a:minorFont>
-        <a:latin typeface="Calibri" panose="020F0502020204030204"/>
+        <a:latin typeface="Calibri Light" panose="020F0302020204030204"/>
         <a:ea typeface=""/>
         <a:cs typeface=""/>
-        <a:font script="Jpan" typeface="游ゴシック"/>
+        <a:font script="Jpan" typeface="ＭＳ Ｐゴシック"/>
         <a:font script="Hang" typeface="맑은 고딕"/>
-        <a:font script="Hans" typeface="等线"/>
+        <a:font script="Hans" typeface="宋体"/>
         <a:font script="Hant" typeface="新細明體"/>
-        <a:font script="Arab" typeface="Arial"/>
-        <a:font script="Hebr" typeface="Arial"/>
-        <a:font script="Thai" typeface="Cordia New"/>
+        <a:font script="Arab" typeface="Times New Roman"/>
+        <a:font script="Hebr" typeface="Times New Roman"/>
+        <a:font script="Thai" typeface="Angsana New"/>
         <a:font script="Ethi" typeface="Nyala"/>
         <a:font script="Beng" typeface="Vrinda"/>
         <a:font script="Gujr" typeface="Shruti"/>
-        <a:font script="Khmr" typeface="DaunPenh"/>
+        <a:font script="Khmr" typeface="MoolBoran"/>
         <a:font script="Knda" typeface="Tunga"/>
         <a:font script="Guru" typeface="Raavi"/>
         <a:font script="Cans" typeface="Euphemia"/>
@@ -3792,29 +3914,12 @@
         <a:font script="Laoo" typeface="DokChampa"/>
         <a:font script="Sinh" typeface="Iskoola Pota"/>
         <a:font script="Mong" typeface="Mongolian Baiti"/>
-        <a:font script="Viet" typeface="Arial"/>
+        <a:font script="Viet" typeface="Times New Roman"/>
         <a:font script="Uigh" typeface="Microsoft Uighur"/>
         <a:font script="Geor" typeface="Sylfaen"/>
-        <a:font script="Armn" typeface="Arial"/>
-        <a:font script="Bugi" typeface="Leelawadee UI"/>
-        <a:font script="Bopo" typeface="Microsoft JhengHei"/>
-        <a:font script="Java" typeface="Javanese Text"/>
-        <a:font script="Lisu" typeface="Segoe UI"/>
-        <a:font script="Mymr" typeface="Myanmar Text"/>
-        <a:font script="Nkoo" typeface="Ebrima"/>
-        <a:font script="Olck" typeface="Nirmala UI"/>
-        <a:font script="Osma" typeface="Ebrima"/>
-        <a:font script="Phag" typeface="Phagspa"/>
-        <a:font script="Syrn" typeface="Estrangelo Edessa"/>
-        <a:font script="Syrj" typeface="Estrangelo Edessa"/>
-        <a:font script="Syre" typeface="Estrangelo Edessa"/>
-        <a:font script="Sora" typeface="Nirmala UI"/>
-        <a:font script="Tale" typeface="Microsoft Tai Le"/>
-        <a:font script="Talu" typeface="Microsoft New Tai Lue"/>
-        <a:font script="Tfng" typeface="Ebrima"/>
       </a:minorFont>
     </a:fontScheme>
-    <a:fmtScheme name="Office">
+    <a:fmtScheme name="Metropolitan">
       <a:fillStyleLst>
         <a:solidFill>
           <a:schemeClr val="phClr"/>
@@ -3823,76 +3928,73 @@
           <a:gsLst>
             <a:gs pos="0">
               <a:schemeClr val="phClr">
+                <a:tint val="70000"/>
+                <a:satMod val="100000"/>
                 <a:lumMod val="110000"/>
-                <a:satMod val="105000"/>
-                <a:tint val="67000"/>
               </a:schemeClr>
             </a:gs>
             <a:gs pos="50000">
               <a:schemeClr val="phClr">
+                <a:tint val="75000"/>
+                <a:satMod val="101000"/>
                 <a:lumMod val="105000"/>
-                <a:satMod val="103000"/>
-                <a:tint val="73000"/>
               </a:schemeClr>
             </a:gs>
             <a:gs pos="100000">
               <a:schemeClr val="phClr">
+                <a:tint val="82000"/>
+                <a:satMod val="104000"/>
                 <a:lumMod val="105000"/>
-                <a:satMod val="109000"/>
-                <a:tint val="81000"/>
               </a:schemeClr>
             </a:gs>
           </a:gsLst>
-          <a:lin ang="5400000" scaled="0"/>
+          <a:lin ang="2700000" scaled="0"/>
         </a:gradFill>
         <a:gradFill rotWithShape="1">
           <a:gsLst>
             <a:gs pos="0">
               <a:schemeClr val="phClr">
-                <a:satMod val="103000"/>
+                <a:tint val="97000"/>
+                <a:satMod val="100000"/>
                 <a:lumMod val="102000"/>
-                <a:tint val="94000"/>
               </a:schemeClr>
             </a:gs>
             <a:gs pos="50000">
               <a:schemeClr val="phClr">
-                <a:satMod val="110000"/>
+                <a:shade val="100000"/>
+                <a:satMod val="100000"/>
                 <a:lumMod val="100000"/>
-                <a:shade val="100000"/>
               </a:schemeClr>
             </a:gs>
             <a:gs pos="100000">
               <a:schemeClr val="phClr">
+                <a:shade val="80000"/>
+                <a:satMod val="100000"/>
                 <a:lumMod val="99000"/>
-                <a:satMod val="120000"/>
-                <a:shade val="78000"/>
               </a:schemeClr>
             </a:gs>
           </a:gsLst>
-          <a:lin ang="5400000" scaled="0"/>
+          <a:lin ang="2700000" scaled="0"/>
         </a:gradFill>
       </a:fillStyleLst>
       <a:lnStyleLst>
-        <a:ln w="6350" cap="flat" cmpd="sng" algn="ctr">
+        <a:ln w="9525" cap="flat" cmpd="sng" algn="ctr">
           <a:solidFill>
             <a:schemeClr val="phClr"/>
           </a:solidFill>
           <a:prstDash val="solid"/>
-          <a:miter lim="800000"/>
         </a:ln>
         <a:ln w="12700" cap="flat" cmpd="sng" algn="ctr">
           <a:solidFill>
             <a:schemeClr val="phClr"/>
           </a:solidFill>
           <a:prstDash val="solid"/>
-          <a:miter lim="800000"/>
         </a:ln>
         <a:ln w="19050" cap="flat" cmpd="sng" algn="ctr">
           <a:solidFill>
             <a:schemeClr val="phClr"/>
           </a:solidFill>
           <a:prstDash val="solid"/>
-          <a:miter lim="800000"/>
         </a:ln>
       </a:lnStyleLst>
       <a:effectStyleLst>
@@ -3922,33 +4024,12 @@
             <a:satMod val="170000"/>
           </a:schemeClr>
         </a:solidFill>
-        <a:gradFill rotWithShape="1">
-          <a:gsLst>
-            <a:gs pos="0">
-              <a:schemeClr val="phClr">
-                <a:tint val="93000"/>
-                <a:satMod val="150000"/>
-                <a:shade val="98000"/>
-                <a:lumMod val="102000"/>
-              </a:schemeClr>
-            </a:gs>
-            <a:gs pos="50000">
-              <a:schemeClr val="phClr">
-                <a:tint val="98000"/>
-                <a:satMod val="130000"/>
-                <a:shade val="90000"/>
-                <a:lumMod val="103000"/>
-              </a:schemeClr>
-            </a:gs>
-            <a:gs pos="100000">
-              <a:schemeClr val="phClr">
-                <a:shade val="63000"/>
-                <a:satMod val="120000"/>
-              </a:schemeClr>
-            </a:gs>
-          </a:gsLst>
-          <a:lin ang="5400000" scaled="0"/>
-        </a:gradFill>
+        <a:solidFill>
+          <a:schemeClr val="phClr">
+            <a:shade val="95000"/>
+            <a:satMod val="170000"/>
+          </a:schemeClr>
+        </a:solidFill>
       </a:bgFillStyleLst>
     </a:fmtScheme>
   </a:themeElements>
@@ -3956,7 +4037,7 @@
   <a:extraClrSchemeLst/>
   <a:extLst>
     <a:ext uri="{05A4C25C-085E-4340-85A3-A5531E510DB2}">
-      <thm15:themeFamily xmlns:thm15="http://schemas.microsoft.com/office/thememl/2012/main" name="Office Theme" id="{62F939B6-93AF-4DB8-9C6B-D6C7DFDC589F}" vid="{4A3C46E8-61CC-4603-A589-7422A47A8E4A}"/>
+      <thm15:themeFamily xmlns:thm15="http://schemas.microsoft.com/office/thememl/2012/main" name="Metropolitan" id="{4C5440D6-04D2-4954-96CF-F251137069B2}" vid="{79CFCA13-9412-4290-BB4B-85112F88857B}"/>
     </a:ext>
   </a:extLst>
 </a:theme>
